--- a/Project_Elaboration_1.pptx
+++ b/Project_Elaboration_1.pptx
@@ -142,7 +142,8 @@
 <file path=ppt/revisionInfo.xml><?xml version="1.0" encoding="utf-8"?>
 <p1510:revInfo xmlns:a="http://schemas.openxmlformats.org/drawingml/2006/main" xmlns:r="http://schemas.openxmlformats.org/officeDocument/2006/relationships" xmlns:p1510="http://schemas.microsoft.com/office/powerpoint/2015/10/main">
   <p1510:revLst>
-    <p1510:client id="{C1DF690F-3179-9447-AA82-F94C95BA4529}" v="59" dt="2019-07-02T22:41:31.370"/>
+    <p1510:client id="{C1DF690F-3179-9447-AA82-F94C95BA4529}" v="507" dt="2019-07-03T00:20:59.658"/>
+    <p1510:client id="{CCBD8DEE-1BBD-E5EC-F91A-9EA835EAC0F2}" v="5" dt="2019-07-02T22:52:25.663"/>
   </p1510:revLst>
 </p1510:revInfo>
 </file>
@@ -1144,9 +1145,33 @@
     </pc:docChg>
   </pc:docChgLst>
   <pc:docChgLst>
+    <pc:chgData name="Guest User" userId="S::urn:spo:anon#c679157b26b884e3e12e94f4de42044aa0630e5fd273cbb0b6d1e0b816827856::" providerId="AD" clId="Web-{CCBD8DEE-1BBD-E5EC-F91A-9EA835EAC0F2}"/>
+    <pc:docChg chg="modSld">
+      <pc:chgData name="Guest User" userId="S::urn:spo:anon#c679157b26b884e3e12e94f4de42044aa0630e5fd273cbb0b6d1e0b816827856::" providerId="AD" clId="Web-{CCBD8DEE-1BBD-E5EC-F91A-9EA835EAC0F2}" dt="2019-07-02T22:52:25.663" v="9" actId="20577"/>
+      <pc:docMkLst>
+        <pc:docMk/>
+      </pc:docMkLst>
+      <pc:sldChg chg="modSp">
+        <pc:chgData name="Guest User" userId="S::urn:spo:anon#c679157b26b884e3e12e94f4de42044aa0630e5fd273cbb0b6d1e0b816827856::" providerId="AD" clId="Web-{CCBD8DEE-1BBD-E5EC-F91A-9EA835EAC0F2}" dt="2019-07-02T22:52:25.663" v="8" actId="20577"/>
+        <pc:sldMkLst>
+          <pc:docMk/>
+          <pc:sldMk cId="3092495496" sldId="264"/>
+        </pc:sldMkLst>
+        <pc:spChg chg="mod">
+          <ac:chgData name="Guest User" userId="S::urn:spo:anon#c679157b26b884e3e12e94f4de42044aa0630e5fd273cbb0b6d1e0b816827856::" providerId="AD" clId="Web-{CCBD8DEE-1BBD-E5EC-F91A-9EA835EAC0F2}" dt="2019-07-02T22:52:25.663" v="8" actId="20577"/>
+          <ac:spMkLst>
+            <pc:docMk/>
+            <pc:sldMk cId="3092495496" sldId="264"/>
+            <ac:spMk id="6" creationId="{60E6372A-AC0B-7944-82C9-0597476FB5FA}"/>
+          </ac:spMkLst>
+        </pc:spChg>
+      </pc:sldChg>
+    </pc:docChg>
+  </pc:docChgLst>
+  <pc:docChgLst>
     <pc:chgData name="Sampson Abrahams" userId="cc1d688c-588a-4417-8239-25fe8058dfdb" providerId="ADAL" clId="{C1DF690F-3179-9447-AA82-F94C95BA4529}"/>
     <pc:docChg chg="undo custSel addSld delSld modSld sldOrd">
-      <pc:chgData name="Sampson Abrahams" userId="cc1d688c-588a-4417-8239-25fe8058dfdb" providerId="ADAL" clId="{C1DF690F-3179-9447-AA82-F94C95BA4529}" dt="2019-07-02T22:41:31.370" v="393" actId="14100"/>
+      <pc:chgData name="Sampson Abrahams" userId="cc1d688c-588a-4417-8239-25fe8058dfdb" providerId="ADAL" clId="{C1DF690F-3179-9447-AA82-F94C95BA4529}" dt="2019-07-03T00:20:59.658" v="842" actId="313"/>
       <pc:docMkLst>
         <pc:docMk/>
       </pc:docMkLst>
@@ -1319,7 +1344,7 @@
         </pc:spChg>
       </pc:sldChg>
       <pc:sldChg chg="addSp delSp modSp">
-        <pc:chgData name="Sampson Abrahams" userId="cc1d688c-588a-4417-8239-25fe8058dfdb" providerId="ADAL" clId="{C1DF690F-3179-9447-AA82-F94C95BA4529}" dt="2019-07-01T03:39:35.336" v="312" actId="1076"/>
+        <pc:chgData name="Sampson Abrahams" userId="cc1d688c-588a-4417-8239-25fe8058dfdb" providerId="ADAL" clId="{C1DF690F-3179-9447-AA82-F94C95BA4529}" dt="2019-07-03T00:07:35.277" v="520" actId="1076"/>
         <pc:sldMkLst>
           <pc:docMk/>
           <pc:sldMk cId="2545147960" sldId="265"/>
@@ -1340,6 +1365,22 @@
             <ac:spMk id="6" creationId="{FBAB3760-ABE0-5F49-89E9-C51E6FB0E088}"/>
           </ac:spMkLst>
         </pc:spChg>
+        <pc:spChg chg="add mod">
+          <ac:chgData name="Sampson Abrahams" userId="cc1d688c-588a-4417-8239-25fe8058dfdb" providerId="ADAL" clId="{C1DF690F-3179-9447-AA82-F94C95BA4529}" dt="2019-07-03T00:07:35.277" v="520" actId="1076"/>
+          <ac:spMkLst>
+            <pc:docMk/>
+            <pc:sldMk cId="2545147960" sldId="265"/>
+            <ac:spMk id="9" creationId="{38558FC5-3FDE-EE4D-9251-7A7D6AB518E3}"/>
+          </ac:spMkLst>
+        </pc:spChg>
+        <pc:spChg chg="add del">
+          <ac:chgData name="Sampson Abrahams" userId="cc1d688c-588a-4417-8239-25fe8058dfdb" providerId="ADAL" clId="{C1DF690F-3179-9447-AA82-F94C95BA4529}" dt="2019-07-03T00:06:26.766" v="507"/>
+          <ac:spMkLst>
+            <pc:docMk/>
+            <pc:sldMk cId="2545147960" sldId="265"/>
+            <ac:spMk id="10" creationId="{7A55BC43-CB7D-F04B-8C8C-A5065EB89646}"/>
+          </ac:spMkLst>
+        </pc:spChg>
         <pc:picChg chg="add mod">
           <ac:chgData name="Sampson Abrahams" userId="cc1d688c-588a-4417-8239-25fe8058dfdb" providerId="ADAL" clId="{C1DF690F-3179-9447-AA82-F94C95BA4529}" dt="2019-07-01T03:39:35.336" v="312" actId="1076"/>
           <ac:picMkLst>
@@ -1350,7 +1391,7 @@
         </pc:picChg>
       </pc:sldChg>
       <pc:sldChg chg="addSp delSp modSp">
-        <pc:chgData name="Sampson Abrahams" userId="cc1d688c-588a-4417-8239-25fe8058dfdb" providerId="ADAL" clId="{C1DF690F-3179-9447-AA82-F94C95BA4529}" dt="2019-07-01T03:43:33.361" v="320" actId="1076"/>
+        <pc:chgData name="Sampson Abrahams" userId="cc1d688c-588a-4417-8239-25fe8058dfdb" providerId="ADAL" clId="{C1DF690F-3179-9447-AA82-F94C95BA4529}" dt="2019-07-03T00:05:19.112" v="452" actId="20577"/>
         <pc:sldMkLst>
           <pc:docMk/>
           <pc:sldMk cId="2590791432" sldId="266"/>
@@ -1377,6 +1418,14 @@
             <pc:docMk/>
             <pc:sldMk cId="2590791432" sldId="266"/>
             <ac:spMk id="8" creationId="{72361A48-B5C0-3C4D-A723-AB36262E9E3E}"/>
+          </ac:spMkLst>
+        </pc:spChg>
+        <pc:spChg chg="add mod">
+          <ac:chgData name="Sampson Abrahams" userId="cc1d688c-588a-4417-8239-25fe8058dfdb" providerId="ADAL" clId="{C1DF690F-3179-9447-AA82-F94C95BA4529}" dt="2019-07-03T00:05:19.112" v="452" actId="20577"/>
+          <ac:spMkLst>
+            <pc:docMk/>
+            <pc:sldMk cId="2590791432" sldId="266"/>
+            <ac:spMk id="13" creationId="{A7495433-FA78-4944-A171-3450275E3698}"/>
           </ac:spMkLst>
         </pc:spChg>
         <pc:picChg chg="add del mod">
@@ -1397,7 +1446,7 @@
         </pc:picChg>
       </pc:sldChg>
       <pc:sldChg chg="addSp delSp modSp">
-        <pc:chgData name="Sampson Abrahams" userId="cc1d688c-588a-4417-8239-25fe8058dfdb" providerId="ADAL" clId="{C1DF690F-3179-9447-AA82-F94C95BA4529}" dt="2019-07-01T03:46:02.017" v="344" actId="1076"/>
+        <pc:chgData name="Sampson Abrahams" userId="cc1d688c-588a-4417-8239-25fe8058dfdb" providerId="ADAL" clId="{C1DF690F-3179-9447-AA82-F94C95BA4529}" dt="2019-07-03T00:16:59.512" v="539"/>
         <pc:sldMkLst>
           <pc:docMk/>
           <pc:sldMk cId="2775687931" sldId="267"/>
@@ -1418,12 +1467,28 @@
             <ac:spMk id="6" creationId="{F8DB2FB9-3DB7-F440-8866-5CFD4AF316E6}"/>
           </ac:spMkLst>
         </pc:spChg>
+        <pc:spChg chg="add del mod">
+          <ac:chgData name="Sampson Abrahams" userId="cc1d688c-588a-4417-8239-25fe8058dfdb" providerId="ADAL" clId="{C1DF690F-3179-9447-AA82-F94C95BA4529}" dt="2019-07-03T00:16:59.512" v="539"/>
+          <ac:spMkLst>
+            <pc:docMk/>
+            <pc:sldMk cId="2775687931" sldId="267"/>
+            <ac:spMk id="9" creationId="{0A1696B7-D44F-4F4A-B584-CAE15FB1C3C3}"/>
+          </ac:spMkLst>
+        </pc:spChg>
         <pc:spChg chg="del mod">
           <ac:chgData name="Sampson Abrahams" userId="cc1d688c-588a-4417-8239-25fe8058dfdb" providerId="ADAL" clId="{C1DF690F-3179-9447-AA82-F94C95BA4529}" dt="2019-07-01T03:45:28.978" v="337" actId="478"/>
           <ac:spMkLst>
             <pc:docMk/>
             <pc:sldMk cId="2775687931" sldId="267"/>
             <ac:spMk id="10" creationId="{3324B254-9DE7-48EC-80C8-16321BB9E423}"/>
+          </ac:spMkLst>
+        </pc:spChg>
+        <pc:spChg chg="mod">
+          <ac:chgData name="Sampson Abrahams" userId="cc1d688c-588a-4417-8239-25fe8058dfdb" providerId="ADAL" clId="{C1DF690F-3179-9447-AA82-F94C95BA4529}" dt="2019-07-03T00:16:43.297" v="523"/>
+          <ac:spMkLst>
+            <pc:docMk/>
+            <pc:sldMk cId="2775687931" sldId="267"/>
+            <ac:spMk id="12" creationId="{C6E0D863-EA88-4068-A571-A0E82FF79517}"/>
           </ac:spMkLst>
         </pc:spChg>
         <pc:picChg chg="add mod">
@@ -1520,7 +1585,7 @@
         </pc:picChg>
       </pc:sldChg>
       <pc:sldChg chg="addSp delSp modSp add">
-        <pc:chgData name="Sampson Abrahams" userId="cc1d688c-588a-4417-8239-25fe8058dfdb" providerId="ADAL" clId="{C1DF690F-3179-9447-AA82-F94C95BA4529}" dt="2019-07-01T03:45:14.985" v="336" actId="14100"/>
+        <pc:chgData name="Sampson Abrahams" userId="cc1d688c-588a-4417-8239-25fe8058dfdb" providerId="ADAL" clId="{C1DF690F-3179-9447-AA82-F94C95BA4529}" dt="2019-07-03T00:05:53.036" v="491" actId="14100"/>
         <pc:sldMkLst>
           <pc:docMk/>
           <pc:sldMk cId="371486398" sldId="272"/>
@@ -1531,6 +1596,14 @@
             <pc:docMk/>
             <pc:sldMk cId="371486398" sldId="272"/>
             <ac:spMk id="2" creationId="{00000000-0000-0000-0000-000000000000}"/>
+          </ac:spMkLst>
+        </pc:spChg>
+        <pc:spChg chg="add mod">
+          <ac:chgData name="Sampson Abrahams" userId="cc1d688c-588a-4417-8239-25fe8058dfdb" providerId="ADAL" clId="{C1DF690F-3179-9447-AA82-F94C95BA4529}" dt="2019-07-03T00:05:53.036" v="491" actId="14100"/>
+          <ac:spMkLst>
+            <pc:docMk/>
+            <pc:sldMk cId="371486398" sldId="272"/>
+            <ac:spMk id="13" creationId="{14B210C2-F7C6-F142-ADD0-DC1709101E2E}"/>
           </ac:spMkLst>
         </pc:spChg>
         <pc:picChg chg="add del mod">
@@ -1567,11 +1640,19 @@
         </pc:picChg>
       </pc:sldChg>
       <pc:sldChg chg="addSp delSp modSp add">
-        <pc:chgData name="Sampson Abrahams" userId="cc1d688c-588a-4417-8239-25fe8058dfdb" providerId="ADAL" clId="{C1DF690F-3179-9447-AA82-F94C95BA4529}" dt="2019-07-01T03:46:25.068" v="351" actId="1076"/>
+        <pc:chgData name="Sampson Abrahams" userId="cc1d688c-588a-4417-8239-25fe8058dfdb" providerId="ADAL" clId="{C1DF690F-3179-9447-AA82-F94C95BA4529}" dt="2019-07-03T00:16:57.085" v="537" actId="20577"/>
         <pc:sldMkLst>
           <pc:docMk/>
           <pc:sldMk cId="3114859482" sldId="273"/>
         </pc:sldMkLst>
+        <pc:spChg chg="mod">
+          <ac:chgData name="Sampson Abrahams" userId="cc1d688c-588a-4417-8239-25fe8058dfdb" providerId="ADAL" clId="{C1DF690F-3179-9447-AA82-F94C95BA4529}" dt="2019-07-03T00:16:57.085" v="537" actId="20577"/>
+          <ac:spMkLst>
+            <pc:docMk/>
+            <pc:sldMk cId="3114859482" sldId="273"/>
+            <ac:spMk id="12" creationId="{C6E0D863-EA88-4068-A571-A0E82FF79517}"/>
+          </ac:spMkLst>
+        </pc:spChg>
         <pc:picChg chg="add mod">
           <ac:chgData name="Sampson Abrahams" userId="cc1d688c-588a-4417-8239-25fe8058dfdb" providerId="ADAL" clId="{C1DF690F-3179-9447-AA82-F94C95BA4529}" dt="2019-07-01T03:46:25.068" v="351" actId="1076"/>
           <ac:picMkLst>
@@ -1590,11 +1671,19 @@
         </pc:picChg>
       </pc:sldChg>
       <pc:sldChg chg="addSp delSp modSp add">
-        <pc:chgData name="Sampson Abrahams" userId="cc1d688c-588a-4417-8239-25fe8058dfdb" providerId="ADAL" clId="{C1DF690F-3179-9447-AA82-F94C95BA4529}" dt="2019-07-01T03:46:51.463" v="358" actId="1076"/>
+        <pc:chgData name="Sampson Abrahams" userId="cc1d688c-588a-4417-8239-25fe8058dfdb" providerId="ADAL" clId="{C1DF690F-3179-9447-AA82-F94C95BA4529}" dt="2019-07-03T00:17:31.875" v="612" actId="20577"/>
         <pc:sldMkLst>
           <pc:docMk/>
           <pc:sldMk cId="592834893" sldId="274"/>
         </pc:sldMkLst>
+        <pc:spChg chg="mod">
+          <ac:chgData name="Sampson Abrahams" userId="cc1d688c-588a-4417-8239-25fe8058dfdb" providerId="ADAL" clId="{C1DF690F-3179-9447-AA82-F94C95BA4529}" dt="2019-07-03T00:17:31.875" v="612" actId="20577"/>
+          <ac:spMkLst>
+            <pc:docMk/>
+            <pc:sldMk cId="592834893" sldId="274"/>
+            <ac:spMk id="12" creationId="{C6E0D863-EA88-4068-A571-A0E82FF79517}"/>
+          </ac:spMkLst>
+        </pc:spChg>
         <pc:picChg chg="del">
           <ac:chgData name="Sampson Abrahams" userId="cc1d688c-588a-4417-8239-25fe8058dfdb" providerId="ADAL" clId="{C1DF690F-3179-9447-AA82-F94C95BA4529}" dt="2019-07-01T03:46:33.390" v="353" actId="478"/>
           <ac:picMkLst>
@@ -1613,7 +1702,7 @@
         </pc:picChg>
       </pc:sldChg>
       <pc:sldChg chg="addSp delSp modSp add">
-        <pc:chgData name="Sampson Abrahams" userId="cc1d688c-588a-4417-8239-25fe8058dfdb" providerId="ADAL" clId="{C1DF690F-3179-9447-AA82-F94C95BA4529}" dt="2019-07-02T04:15:52.875" v="370" actId="1076"/>
+        <pc:chgData name="Sampson Abrahams" userId="cc1d688c-588a-4417-8239-25fe8058dfdb" providerId="ADAL" clId="{C1DF690F-3179-9447-AA82-F94C95BA4529}" dt="2019-07-03T00:20:59.658" v="842" actId="313"/>
         <pc:sldMkLst>
           <pc:docMk/>
           <pc:sldMk cId="2639891594" sldId="275"/>
@@ -1626,6 +1715,14 @@
             <ac:spMk id="6" creationId="{60E6372A-AC0B-7944-82C9-0597476FB5FA}"/>
           </ac:spMkLst>
         </pc:spChg>
+        <pc:spChg chg="add mod">
+          <ac:chgData name="Sampson Abrahams" userId="cc1d688c-588a-4417-8239-25fe8058dfdb" providerId="ADAL" clId="{C1DF690F-3179-9447-AA82-F94C95BA4529}" dt="2019-07-03T00:20:59.658" v="842" actId="313"/>
+          <ac:spMkLst>
+            <pc:docMk/>
+            <pc:sldMk cId="2639891594" sldId="275"/>
+            <ac:spMk id="8" creationId="{EB5AB1A8-E068-0B41-839B-22F41B152572}"/>
+          </ac:spMkLst>
+        </pc:spChg>
         <pc:picChg chg="add del mod">
           <ac:chgData name="Sampson Abrahams" userId="cc1d688c-588a-4417-8239-25fe8058dfdb" providerId="ADAL" clId="{C1DF690F-3179-9447-AA82-F94C95BA4529}" dt="2019-07-02T04:15:46.535" v="367" actId="478"/>
           <ac:picMkLst>
@@ -1635,7 +1732,7 @@
           </ac:picMkLst>
         </pc:picChg>
         <pc:picChg chg="add mod">
-          <ac:chgData name="Sampson Abrahams" userId="cc1d688c-588a-4417-8239-25fe8058dfdb" providerId="ADAL" clId="{C1DF690F-3179-9447-AA82-F94C95BA4529}" dt="2019-07-02T04:15:52.875" v="370" actId="1076"/>
+          <ac:chgData name="Sampson Abrahams" userId="cc1d688c-588a-4417-8239-25fe8058dfdb" providerId="ADAL" clId="{C1DF690F-3179-9447-AA82-F94C95BA4529}" dt="2019-07-03T00:20:32.435" v="836" actId="1076"/>
           <ac:picMkLst>
             <pc:docMk/>
             <pc:sldMk cId="2639891594" sldId="275"/>
@@ -5724,13 +5821,13 @@
             <a:pPr>
               <a:buSzPct val="60000"/>
             </a:pPr>
-            <a:endParaRPr lang="en-US"/>
+            <a:endParaRPr lang="en-US" dirty="0"/>
           </a:p>
           <a:p>
             <a:pPr>
               <a:buSzPct val="60000"/>
             </a:pPr>
-            <a:endParaRPr lang="en-US"/>
+            <a:endParaRPr lang="en-US" dirty="0"/>
           </a:p>
           <a:p>
             <a:pPr algn="ctr">
@@ -5750,13 +5847,13 @@
               </a:rPr>
               <a:t>Using and viewing the Car Rental Company Site is part of 3 main packages:</a:t>
             </a:r>
-            <a:endParaRPr lang="en-US" i="1"/>
+            <a:endParaRPr lang="en-US" i="1" dirty="0"/>
           </a:p>
           <a:p>
             <a:pPr>
               <a:buSzPct val="60000"/>
             </a:pPr>
-            <a:endParaRPr lang="en-US"/>
+            <a:endParaRPr lang="en-US" dirty="0"/>
           </a:p>
           <a:p>
             <a:pPr marL="285750" indent="-285750">
@@ -5764,7 +5861,7 @@
               <a:buFont typeface="Arial"/>
               <a:buChar char="•"/>
             </a:pPr>
-            <a:endParaRPr lang="en-US"/>
+            <a:endParaRPr lang="en-US" dirty="0"/>
           </a:p>
           <a:p>
             <a:pPr marL="342900" indent="-342900">
@@ -5808,7 +5905,7 @@
               <a:buFont typeface="Arial"/>
               <a:buChar char="•"/>
             </a:pPr>
-            <a:endParaRPr lang="en-US"/>
+            <a:endParaRPr lang="en-US" dirty="0"/>
           </a:p>
           <a:p>
             <a:pPr marL="285750" indent="-285750">
@@ -5816,7 +5913,7 @@
               <a:buFont typeface="Arial"/>
               <a:buChar char="•"/>
             </a:pPr>
-            <a:endParaRPr lang="en-US"/>
+            <a:endParaRPr lang="en-US" dirty="0"/>
           </a:p>
           <a:p>
             <a:pPr marL="342900" indent="-342900">
@@ -5863,7 +5960,7 @@
               <a:buFont typeface="Arial"/>
               <a:buChar char="•"/>
             </a:pPr>
-            <a:endParaRPr lang="en-US"/>
+            <a:endParaRPr lang="en-US" dirty="0"/>
           </a:p>
           <a:p>
             <a:pPr marL="285750" indent="-285750">
@@ -5871,7 +5968,7 @@
               <a:buFont typeface="Arial"/>
               <a:buChar char="•"/>
             </a:pPr>
-            <a:endParaRPr lang="en-US"/>
+            <a:endParaRPr lang="en-US" dirty="0"/>
           </a:p>
           <a:p>
             <a:pPr marL="342900" indent="-342900">
@@ -5913,13 +6010,13 @@
             <a:pPr>
               <a:buSzPct val="60000"/>
             </a:pPr>
-            <a:endParaRPr lang="en-US"/>
+            <a:endParaRPr lang="en-US" dirty="0"/>
           </a:p>
           <a:p>
             <a:pPr>
               <a:buSzPct val="60000"/>
             </a:pPr>
-            <a:endParaRPr lang="en-US"/>
+            <a:endParaRPr lang="en-US" dirty="0"/>
           </a:p>
           <a:p>
             <a:pPr algn="ctr">
@@ -5948,7 +6045,7 @@
             <a:pPr>
               <a:buSzPct val="60000"/>
             </a:pPr>
-            <a:endParaRPr lang="en-US"/>
+            <a:endParaRPr lang="en-US" dirty="0"/>
           </a:p>
           <a:p>
             <a:pPr>
@@ -6385,14 +6482,92 @@
         </p:blipFill>
         <p:spPr>
           <a:xfrm>
-            <a:off x="1411605" y="1272146"/>
-            <a:ext cx="6320790" cy="4610859"/>
+            <a:off x="2956560" y="1231141"/>
+            <a:ext cx="5572125" cy="4610859"/>
           </a:xfrm>
           <a:prstGeom prst="rect">
             <a:avLst/>
           </a:prstGeom>
         </p:spPr>
       </p:pic>
+      <p:sp>
+        <p:nvSpPr>
+          <p:cNvPr id="8" name="TextBox 7">
+            <a:extLst>
+              <a:ext uri="{FF2B5EF4-FFF2-40B4-BE49-F238E27FC236}">
+                <a16:creationId xmlns:a16="http://schemas.microsoft.com/office/drawing/2014/main" id="{EB5AB1A8-E068-0B41-839B-22F41B152572}"/>
+              </a:ext>
+            </a:extLst>
+          </p:cNvPr>
+          <p:cNvSpPr txBox="1"/>
+          <p:nvPr/>
+        </p:nvSpPr>
+        <p:spPr>
+          <a:xfrm>
+            <a:off x="434340" y="2217419"/>
+            <a:ext cx="2522220" cy="2031325"/>
+          </a:xfrm>
+          <a:prstGeom prst="rect">
+            <a:avLst/>
+          </a:prstGeom>
+          <a:noFill/>
+        </p:spPr>
+        <p:txBody>
+          <a:bodyPr wrap="square" rtlCol="0">
+            <a:spAutoFit/>
+          </a:bodyPr>
+          <a:lstStyle/>
+          <a:p>
+            <a:r>
+              <a:rPr lang="en-US" dirty="0"/>
+              <a:t>Technologies</a:t>
+            </a:r>
+          </a:p>
+          <a:p>
+            <a:pPr marL="285750" indent="-285750">
+              <a:buFont typeface="Arial" panose="020B0604020202020204" pitchFamily="34" charset="0"/>
+              <a:buChar char="•"/>
+            </a:pPr>
+            <a:r>
+              <a:rPr lang="en-US" dirty="0"/>
+              <a:t>IIS Webservices</a:t>
+            </a:r>
+          </a:p>
+          <a:p>
+            <a:pPr marL="285750" indent="-285750">
+              <a:buFont typeface="Arial" panose="020B0604020202020204" pitchFamily="34" charset="0"/>
+              <a:buChar char="•"/>
+            </a:pPr>
+            <a:r>
+              <a:rPr lang="en-US" dirty="0"/>
+              <a:t>VIP Load balancer </a:t>
+            </a:r>
+          </a:p>
+          <a:p>
+            <a:pPr marL="285750" indent="-285750">
+              <a:buFont typeface="Arial" panose="020B0604020202020204" pitchFamily="34" charset="0"/>
+              <a:buChar char="•"/>
+            </a:pPr>
+            <a:r>
+              <a:rPr lang="en-US" dirty="0"/>
+              <a:t>SQL High Availability</a:t>
+            </a:r>
+          </a:p>
+          <a:p>
+            <a:pPr marL="285750" indent="-285750">
+              <a:buFont typeface="Arial" panose="020B0604020202020204" pitchFamily="34" charset="0"/>
+              <a:buChar char="•"/>
+            </a:pPr>
+            <a:r>
+              <a:rPr lang="en-US" dirty="0"/>
+              <a:t>Clustered Storage </a:t>
+            </a:r>
+          </a:p>
+          <a:p>
+            <a:endParaRPr lang="en-US" dirty="0"/>
+          </a:p>
+        </p:txBody>
+      </p:sp>
     </p:spTree>
     <p:extLst>
       <p:ext uri="{BB962C8B-B14F-4D97-AF65-F5344CB8AC3E}">
@@ -6517,7 +6692,7 @@
                   <a:spcPts val="600"/>
                 </a:spcAft>
               </a:pPr>
-              <a:t>Saturday, June 29, 2019</a:t>
+              <a:t>Tuesday, July 2, 2019</a:t>
             </a:fld>
             <a:endParaRPr lang="en-US"/>
           </a:p>
@@ -6632,6 +6807,41 @@
           </a:prstGeom>
         </p:spPr>
       </p:pic>
+      <p:sp>
+        <p:nvSpPr>
+          <p:cNvPr id="9" name="TextBox 8">
+            <a:extLst>
+              <a:ext uri="{FF2B5EF4-FFF2-40B4-BE49-F238E27FC236}">
+                <a16:creationId xmlns:a16="http://schemas.microsoft.com/office/drawing/2014/main" id="{38558FC5-3FDE-EE4D-9251-7A7D6AB518E3}"/>
+              </a:ext>
+            </a:extLst>
+          </p:cNvPr>
+          <p:cNvSpPr txBox="1"/>
+          <p:nvPr/>
+        </p:nvSpPr>
+        <p:spPr>
+          <a:xfrm>
+            <a:off x="635000" y="1714500"/>
+            <a:ext cx="2321560" cy="369332"/>
+          </a:xfrm>
+          <a:prstGeom prst="rect">
+            <a:avLst/>
+          </a:prstGeom>
+          <a:noFill/>
+        </p:spPr>
+        <p:txBody>
+          <a:bodyPr wrap="square" rtlCol="0">
+            <a:spAutoFit/>
+          </a:bodyPr>
+          <a:lstStyle/>
+          <a:p>
+            <a:r>
+              <a:rPr lang="en-US" dirty="0"/>
+              <a:t>Make Reservation </a:t>
+            </a:r>
+          </a:p>
+        </p:txBody>
+      </p:sp>
     </p:spTree>
     <p:extLst>
       <p:ext uri="{BB962C8B-B14F-4D97-AF65-F5344CB8AC3E}">
@@ -6756,7 +6966,7 @@
                   <a:spcPts val="600"/>
                 </a:spcAft>
               </a:pPr>
-              <a:t>Sunday, June 30, 2019</a:t>
+              <a:t>Tuesday, July 2, 2019</a:t>
             </a:fld>
             <a:endParaRPr lang="en-US"/>
           </a:p>
@@ -6871,6 +7081,41 @@
           </a:prstGeom>
         </p:spPr>
       </p:pic>
+      <p:sp>
+        <p:nvSpPr>
+          <p:cNvPr id="13" name="TextBox 12">
+            <a:extLst>
+              <a:ext uri="{FF2B5EF4-FFF2-40B4-BE49-F238E27FC236}">
+                <a16:creationId xmlns:a16="http://schemas.microsoft.com/office/drawing/2014/main" id="{14B210C2-F7C6-F142-ADD0-DC1709101E2E}"/>
+              </a:ext>
+            </a:extLst>
+          </p:cNvPr>
+          <p:cNvSpPr txBox="1"/>
+          <p:nvPr/>
+        </p:nvSpPr>
+        <p:spPr>
+          <a:xfrm>
+            <a:off x="467360" y="1623061"/>
+            <a:ext cx="2264410" cy="369332"/>
+          </a:xfrm>
+          <a:prstGeom prst="rect">
+            <a:avLst/>
+          </a:prstGeom>
+          <a:noFill/>
+        </p:spPr>
+        <p:txBody>
+          <a:bodyPr wrap="square" rtlCol="0">
+            <a:spAutoFit/>
+          </a:bodyPr>
+          <a:lstStyle/>
+          <a:p>
+            <a:r>
+              <a:rPr lang="en-US" dirty="0"/>
+              <a:t>Reservation Pickup</a:t>
+            </a:r>
+          </a:p>
+        </p:txBody>
+      </p:sp>
     </p:spTree>
     <p:extLst>
       <p:ext uri="{BB962C8B-B14F-4D97-AF65-F5344CB8AC3E}">
@@ -7106,6 +7351,41 @@
           </a:prstGeom>
         </p:spPr>
       </p:pic>
+      <p:sp>
+        <p:nvSpPr>
+          <p:cNvPr id="13" name="TextBox 12">
+            <a:extLst>
+              <a:ext uri="{FF2B5EF4-FFF2-40B4-BE49-F238E27FC236}">
+                <a16:creationId xmlns:a16="http://schemas.microsoft.com/office/drawing/2014/main" id="{A7495433-FA78-4944-A171-3450275E3698}"/>
+              </a:ext>
+            </a:extLst>
+          </p:cNvPr>
+          <p:cNvSpPr txBox="1"/>
+          <p:nvPr/>
+        </p:nvSpPr>
+        <p:spPr>
+          <a:xfrm>
+            <a:off x="467360" y="1623060"/>
+            <a:ext cx="1932940" cy="646331"/>
+          </a:xfrm>
+          <a:prstGeom prst="rect">
+            <a:avLst/>
+          </a:prstGeom>
+          <a:noFill/>
+        </p:spPr>
+        <p:txBody>
+          <a:bodyPr wrap="square" rtlCol="0">
+            <a:spAutoFit/>
+          </a:bodyPr>
+          <a:lstStyle/>
+          <a:p>
+            <a:r>
+              <a:rPr lang="en-US" dirty="0"/>
+              <a:t>System Management</a:t>
+            </a:r>
+          </a:p>
+        </p:txBody>
+      </p:sp>
     </p:spTree>
     <p:extLst>
       <p:ext uri="{BB962C8B-B14F-4D97-AF65-F5344CB8AC3E}">
@@ -7225,7 +7505,7 @@
                   <a:spcPts val="600"/>
                 </a:spcAft>
               </a:pPr>
-              <a:t>Saturday, June 29, 2019</a:t>
+              <a:t>Tuesday, July 2, 2019</a:t>
             </a:fld>
             <a:endParaRPr lang="en-US"/>
           </a:p>
@@ -7300,7 +7580,10 @@
           <a:bodyPr/>
           <a:lstStyle/>
           <a:p>
-            <a:endParaRPr lang="en-US"/>
+            <a:r>
+              <a:rPr lang="en-US" dirty="0"/>
+              <a:t>Make Reservation </a:t>
+            </a:r>
           </a:p>
         </p:txBody>
       </p:sp>
@@ -7459,7 +7742,7 @@
                   <a:spcPts val="600"/>
                 </a:spcAft>
               </a:pPr>
-              <a:t>Sunday, June 30, 2019</a:t>
+              <a:t>Tuesday, July 2, 2019</a:t>
             </a:fld>
             <a:endParaRPr lang="en-US"/>
           </a:p>
@@ -7534,7 +7817,21 @@
           <a:bodyPr/>
           <a:lstStyle/>
           <a:p>
-            <a:endParaRPr lang="en-US"/>
+            <a:r>
+              <a:rPr lang="en-US" dirty="0"/>
+              <a:t>Pick </a:t>
+            </a:r>
+            <a:r>
+              <a:rPr lang="en-US" dirty="0" err="1"/>
+              <a:t>uP</a:t>
+            </a:r>
+            <a:r>
+              <a:rPr lang="en-US" dirty="0"/>
+              <a:t> Reservation </a:t>
+            </a:r>
+          </a:p>
+          <a:p>
+            <a:endParaRPr lang="en-US" dirty="0"/>
           </a:p>
         </p:txBody>
       </p:sp>
@@ -7768,7 +8065,10 @@
           <a:bodyPr/>
           <a:lstStyle/>
           <a:p>
-            <a:endParaRPr lang="en-US"/>
+            <a:r>
+              <a:rPr lang="en-US" dirty="0"/>
+              <a:t>Manage Rental System</a:t>
+            </a:r>
           </a:p>
         </p:txBody>
       </p:sp>
@@ -10038,13 +10338,13 @@
             <a:pPr>
               <a:buSzPct val="60000"/>
             </a:pPr>
-            <a:endParaRPr lang="en-US"/>
+            <a:endParaRPr lang="en-US" dirty="0"/>
           </a:p>
           <a:p>
             <a:pPr>
               <a:buSzPct val="60000"/>
             </a:pPr>
-            <a:endParaRPr lang="en-US"/>
+            <a:endParaRPr lang="en-US" dirty="0"/>
           </a:p>
           <a:p>
             <a:pPr>
@@ -10062,7 +10362,30 @@
                 <a:ea typeface="+mn-lt"/>
                 <a:cs typeface="+mn-lt"/>
               </a:rPr>
-              <a:t>This document presents the architecture as a series of views, use case view, process view, and deployment view.</a:t>
+              <a:t>This document presents the architecture as a series of views: </a:t>
+            </a:r>
+            <a:endParaRPr lang="en-US" dirty="0">
+              <a:ea typeface="+mn-lt"/>
+              <a:cs typeface="+mn-lt"/>
+            </a:endParaRPr>
+          </a:p>
+          <a:p>
+            <a:pPr>
+              <a:buSzPct val="60000"/>
+            </a:pPr>
+            <a:r>
+              <a:rPr lang="en-US" sz="2100" dirty="0">
+                <a:effectLst>
+                  <a:outerShdw blurRad="38100" dist="38100" dir="2700000" algn="tl">
+                    <a:srgbClr val="000000">
+                      <a:alpha val="43137"/>
+                    </a:srgbClr>
+                  </a:outerShdw>
+                </a:effectLst>
+                <a:ea typeface="+mn-lt"/>
+                <a:cs typeface="+mn-lt"/>
+              </a:rPr>
+              <a:t>use case view, process view, and deployment view.</a:t>
             </a:r>
             <a:endParaRPr lang="en-US" dirty="0"/>
           </a:p>
@@ -10124,13 +10447,13 @@
             <a:pPr>
               <a:buSzPct val="60000"/>
             </a:pPr>
-            <a:endParaRPr lang="en-US"/>
+            <a:endParaRPr lang="en-US" dirty="0"/>
           </a:p>
           <a:p>
             <a:pPr>
               <a:buSzPct val="60000"/>
             </a:pPr>
-            <a:endParaRPr lang="en-US"/>
+            <a:endParaRPr lang="en-US" dirty="0"/>
           </a:p>
           <a:p>
             <a:pPr>

--- a/Project_Elaboration_1.pptx
+++ b/Project_Elaboration_1.pptx
@@ -139,11 +139,23 @@
 </p:presentation>
 </file>
 
+<file path=ppt/commentAuthors.xml><?xml version="1.0" encoding="utf-8"?>
+<p:cmAuthorLst xmlns:a="http://schemas.openxmlformats.org/drawingml/2006/main" xmlns:r="http://schemas.openxmlformats.org/officeDocument/2006/relationships" xmlns:p="http://schemas.openxmlformats.org/presentationml/2006/main">
+  <p:cmAuthor id="1" name="Guest User" initials="GU" lastIdx="1" clrIdx="0">
+    <p:extLst>
+      <p:ext uri="{19B8F6BF-5375-455C-9EA6-DF929625EA0E}">
+        <p15:presenceInfo xmlns:p15="http://schemas.microsoft.com/office/powerpoint/2012/main" userId="S::urn:spo:anon#c679157b26b884e3e12e94f4de42044aa0630e5fd273cbb0b6d1e0b816827856::" providerId="AD"/>
+      </p:ext>
+    </p:extLst>
+  </p:cmAuthor>
+</p:cmAuthorLst>
+</file>
+
 <file path=ppt/revisionInfo.xml><?xml version="1.0" encoding="utf-8"?>
 <p1510:revInfo xmlns:a="http://schemas.openxmlformats.org/drawingml/2006/main" xmlns:r="http://schemas.openxmlformats.org/officeDocument/2006/relationships" xmlns:p1510="http://schemas.microsoft.com/office/powerpoint/2015/10/main">
   <p1510:revLst>
-    <p1510:client id="{C1DF690F-3179-9447-AA82-F94C95BA4529}" v="610" dt="2019-07-03T00:40:46.331"/>
-    <p1510:client id="{CCBD8DEE-1BBD-E5EC-F91A-9EA835EAC0F2}" v="277" dt="2019-07-03T00:47:51.856"/>
+    <p1510:client id="{C1DF690F-3179-9447-AA82-F94C95BA4529}" v="697" dt="2019-07-03T00:53:46.535"/>
+    <p1510:client id="{CCBD8DEE-1BBD-E5EC-F91A-9EA835EAC0F2}" v="286" dt="2019-07-03T00:53:07.290"/>
   </p1510:revLst>
 </p1510:revInfo>
 </file>
@@ -338,24 +350,31 @@
   <pc:docChgLst>
     <pc:chgData name="Guest User" userId="S::urn:spo:anon#c679157b26b884e3e12e94f4de42044aa0630e5fd273cbb0b6d1e0b816827856::" providerId="AD" clId="Web-{CCBD8DEE-1BBD-E5EC-F91A-9EA835EAC0F2}"/>
     <pc:docChg chg="modSld">
-      <pc:chgData name="Guest User" userId="S::urn:spo:anon#c679157b26b884e3e12e94f4de42044aa0630e5fd273cbb0b6d1e0b816827856::" providerId="AD" clId="Web-{CCBD8DEE-1BBD-E5EC-F91A-9EA835EAC0F2}" dt="2019-07-03T00:48:12.170" v="570" actId="20577"/>
+      <pc:chgData name="Guest User" userId="S::urn:spo:anon#c679157b26b884e3e12e94f4de42044aa0630e5fd273cbb0b6d1e0b816827856::" providerId="AD" clId="Web-{CCBD8DEE-1BBD-E5EC-F91A-9EA835EAC0F2}" dt="2019-07-03T00:53:07.290" v="590" actId="20577"/>
       <pc:docMkLst>
         <pc:docMk/>
       </pc:docMkLst>
       <pc:sldChg chg="modSp">
-        <pc:chgData name="Guest User" userId="S::urn:spo:anon#c679157b26b884e3e12e94f4de42044aa0630e5fd273cbb0b6d1e0b816827856::" providerId="AD" clId="Web-{CCBD8DEE-1BBD-E5EC-F91A-9EA835EAC0F2}" dt="2019-07-03T00:47:51.856" v="568" actId="20577"/>
+        <pc:chgData name="Guest User" userId="S::urn:spo:anon#c679157b26b884e3e12e94f4de42044aa0630e5fd273cbb0b6d1e0b816827856::" providerId="AD" clId="Web-{CCBD8DEE-1BBD-E5EC-F91A-9EA835EAC0F2}" dt="2019-07-03T00:53:07.290" v="589" actId="20577"/>
         <pc:sldMkLst>
           <pc:docMk/>
           <pc:sldMk cId="3092495496" sldId="264"/>
         </pc:sldMkLst>
         <pc:spChg chg="mod">
-          <ac:chgData name="Guest User" userId="S::urn:spo:anon#c679157b26b884e3e12e94f4de42044aa0630e5fd273cbb0b6d1e0b816827856::" providerId="AD" clId="Web-{CCBD8DEE-1BBD-E5EC-F91A-9EA835EAC0F2}" dt="2019-07-03T00:47:51.856" v="568" actId="20577"/>
+          <ac:chgData name="Guest User" userId="S::urn:spo:anon#c679157b26b884e3e12e94f4de42044aa0630e5fd273cbb0b6d1e0b816827856::" providerId="AD" clId="Web-{CCBD8DEE-1BBD-E5EC-F91A-9EA835EAC0F2}" dt="2019-07-03T00:53:07.290" v="589" actId="20577"/>
           <ac:spMkLst>
             <pc:docMk/>
             <pc:sldMk cId="3092495496" sldId="264"/>
             <ac:spMk id="6" creationId="{60E6372A-AC0B-7944-82C9-0597476FB5FA}"/>
           </ac:spMkLst>
         </pc:spChg>
+      </pc:sldChg>
+      <pc:sldChg chg="addCm">
+        <pc:chgData name="Guest User" userId="S::urn:spo:anon#c679157b26b884e3e12e94f4de42044aa0630e5fd273cbb0b6d1e0b816827856::" providerId="AD" clId="Web-{CCBD8DEE-1BBD-E5EC-F91A-9EA835EAC0F2}" dt="2019-07-03T00:52:02.350" v="571"/>
+        <pc:sldMkLst>
+          <pc:docMk/>
+          <pc:sldMk cId="2639891594" sldId="275"/>
+        </pc:sldMkLst>
       </pc:sldChg>
     </pc:docChg>
   </pc:docChgLst>
@@ -432,6 +451,603 @@
             <pc:docMk/>
             <pc:sldMk cId="1145965259" sldId="263"/>
             <ac:picMk id="5" creationId="{609D8596-699B-4DEE-9E03-F5062213535D}"/>
+          </ac:picMkLst>
+        </pc:picChg>
+      </pc:sldChg>
+    </pc:docChg>
+  </pc:docChgLst>
+  <pc:docChgLst>
+    <pc:chgData name="Sampson Abrahams" userId="cc1d688c-588a-4417-8239-25fe8058dfdb" providerId="ADAL" clId="{C1DF690F-3179-9447-AA82-F94C95BA4529}"/>
+    <pc:docChg chg="undo custSel addSld delSld modSld sldOrd">
+      <pc:chgData name="Sampson Abrahams" userId="cc1d688c-588a-4417-8239-25fe8058dfdb" providerId="ADAL" clId="{C1DF690F-3179-9447-AA82-F94C95BA4529}" dt="2019-07-03T00:53:46.535" v="1032" actId="20577"/>
+      <pc:docMkLst>
+        <pc:docMk/>
+      </pc:docMkLst>
+      <pc:sldChg chg="modSp">
+        <pc:chgData name="Sampson Abrahams" userId="cc1d688c-588a-4417-8239-25fe8058dfdb" providerId="ADAL" clId="{C1DF690F-3179-9447-AA82-F94C95BA4529}" dt="2019-06-25T23:34:13.370" v="25" actId="14100"/>
+        <pc:sldMkLst>
+          <pc:docMk/>
+          <pc:sldMk cId="1592441267" sldId="256"/>
+        </pc:sldMkLst>
+        <pc:spChg chg="mod">
+          <ac:chgData name="Sampson Abrahams" userId="cc1d688c-588a-4417-8239-25fe8058dfdb" providerId="ADAL" clId="{C1DF690F-3179-9447-AA82-F94C95BA4529}" dt="2019-06-25T23:34:13.370" v="25" actId="14100"/>
+          <ac:spMkLst>
+            <pc:docMk/>
+            <pc:sldMk cId="1592441267" sldId="256"/>
+            <ac:spMk id="2" creationId="{00000000-0000-0000-0000-000000000000}"/>
+          </ac:spMkLst>
+        </pc:spChg>
+      </pc:sldChg>
+      <pc:sldChg chg="modSp">
+        <pc:chgData name="Sampson Abrahams" userId="cc1d688c-588a-4417-8239-25fe8058dfdb" providerId="ADAL" clId="{C1DF690F-3179-9447-AA82-F94C95BA4529}" dt="2019-07-03T00:38:34.091" v="865" actId="20577"/>
+        <pc:sldMkLst>
+          <pc:docMk/>
+          <pc:sldMk cId="480225811" sldId="257"/>
+        </pc:sldMkLst>
+        <pc:spChg chg="mod">
+          <ac:chgData name="Sampson Abrahams" userId="cc1d688c-588a-4417-8239-25fe8058dfdb" providerId="ADAL" clId="{C1DF690F-3179-9447-AA82-F94C95BA4529}" dt="2019-07-03T00:38:34.091" v="865" actId="20577"/>
+          <ac:spMkLst>
+            <pc:docMk/>
+            <pc:sldMk cId="480225811" sldId="257"/>
+            <ac:spMk id="8" creationId="{00000000-0000-0000-0000-000000000000}"/>
+          </ac:spMkLst>
+        </pc:spChg>
+      </pc:sldChg>
+      <pc:sldChg chg="modSp del">
+        <pc:chgData name="Sampson Abrahams" userId="cc1d688c-588a-4417-8239-25fe8058dfdb" providerId="ADAL" clId="{C1DF690F-3179-9447-AA82-F94C95BA4529}" dt="2019-06-25T23:42:21.858" v="286" actId="2696"/>
+        <pc:sldMkLst>
+          <pc:docMk/>
+          <pc:sldMk cId="2226160909" sldId="259"/>
+        </pc:sldMkLst>
+        <pc:spChg chg="mod">
+          <ac:chgData name="Sampson Abrahams" userId="cc1d688c-588a-4417-8239-25fe8058dfdb" providerId="ADAL" clId="{C1DF690F-3179-9447-AA82-F94C95BA4529}" dt="2019-06-25T23:41:43.223" v="285" actId="255"/>
+          <ac:spMkLst>
+            <pc:docMk/>
+            <pc:sldMk cId="2226160909" sldId="259"/>
+            <ac:spMk id="2" creationId="{00000000-0000-0000-0000-000000000000}"/>
+          </ac:spMkLst>
+        </pc:spChg>
+        <pc:spChg chg="mod">
+          <ac:chgData name="Sampson Abrahams" userId="cc1d688c-588a-4417-8239-25fe8058dfdb" providerId="ADAL" clId="{C1DF690F-3179-9447-AA82-F94C95BA4529}" dt="2019-06-25T23:37:18.574" v="212" actId="5793"/>
+          <ac:spMkLst>
+            <pc:docMk/>
+            <pc:sldMk cId="2226160909" sldId="259"/>
+            <ac:spMk id="7" creationId="{806229ED-D5BE-4237-BDB6-52C904209AA6}"/>
+          </ac:spMkLst>
+        </pc:spChg>
+      </pc:sldChg>
+      <pc:sldChg chg="modSp">
+        <pc:chgData name="Sampson Abrahams" userId="cc1d688c-588a-4417-8239-25fe8058dfdb" providerId="ADAL" clId="{C1DF690F-3179-9447-AA82-F94C95BA4529}" dt="2019-06-29T21:42:07.116" v="297" actId="1076"/>
+        <pc:sldMkLst>
+          <pc:docMk/>
+          <pc:sldMk cId="830407880" sldId="260"/>
+        </pc:sldMkLst>
+        <pc:spChg chg="mod">
+          <ac:chgData name="Sampson Abrahams" userId="cc1d688c-588a-4417-8239-25fe8058dfdb" providerId="ADAL" clId="{C1DF690F-3179-9447-AA82-F94C95BA4529}" dt="2019-06-25T23:42:40.644" v="289"/>
+          <ac:spMkLst>
+            <pc:docMk/>
+            <pc:sldMk cId="830407880" sldId="260"/>
+            <ac:spMk id="2" creationId="{00000000-0000-0000-0000-000000000000}"/>
+          </ac:spMkLst>
+        </pc:spChg>
+        <pc:spChg chg="mod">
+          <ac:chgData name="Sampson Abrahams" userId="cc1d688c-588a-4417-8239-25fe8058dfdb" providerId="ADAL" clId="{C1DF690F-3179-9447-AA82-F94C95BA4529}" dt="2019-06-29T21:42:07.116" v="297" actId="1076"/>
+          <ac:spMkLst>
+            <pc:docMk/>
+            <pc:sldMk cId="830407880" sldId="260"/>
+            <ac:spMk id="7" creationId="{2C784E43-C84D-D842-BF68-6C450243F030}"/>
+          </ac:spMkLst>
+        </pc:spChg>
+      </pc:sldChg>
+      <pc:sldChg chg="modSp">
+        <pc:chgData name="Sampson Abrahams" userId="cc1d688c-588a-4417-8239-25fe8058dfdb" providerId="ADAL" clId="{C1DF690F-3179-9447-AA82-F94C95BA4529}" dt="2019-07-03T00:40:46.331" v="945" actId="14100"/>
+        <pc:sldMkLst>
+          <pc:docMk/>
+          <pc:sldMk cId="374164396" sldId="261"/>
+        </pc:sldMkLst>
+        <pc:spChg chg="mod">
+          <ac:chgData name="Sampson Abrahams" userId="cc1d688c-588a-4417-8239-25fe8058dfdb" providerId="ADAL" clId="{C1DF690F-3179-9447-AA82-F94C95BA4529}" dt="2019-06-25T23:41:29.358" v="283" actId="255"/>
+          <ac:spMkLst>
+            <pc:docMk/>
+            <pc:sldMk cId="374164396" sldId="261"/>
+            <ac:spMk id="2" creationId="{00000000-0000-0000-0000-000000000000}"/>
+          </ac:spMkLst>
+        </pc:spChg>
+        <pc:spChg chg="mod">
+          <ac:chgData name="Sampson Abrahams" userId="cc1d688c-588a-4417-8239-25fe8058dfdb" providerId="ADAL" clId="{C1DF690F-3179-9447-AA82-F94C95BA4529}" dt="2019-06-25T23:37:36.926" v="219" actId="20577"/>
+          <ac:spMkLst>
+            <pc:docMk/>
+            <pc:sldMk cId="374164396" sldId="261"/>
+            <ac:spMk id="6" creationId="{458787ED-78BB-C842-BDE3-9DD8893A0EFA}"/>
+          </ac:spMkLst>
+        </pc:spChg>
+        <pc:picChg chg="mod">
+          <ac:chgData name="Sampson Abrahams" userId="cc1d688c-588a-4417-8239-25fe8058dfdb" providerId="ADAL" clId="{C1DF690F-3179-9447-AA82-F94C95BA4529}" dt="2019-07-03T00:40:46.331" v="945" actId="14100"/>
+          <ac:picMkLst>
+            <pc:docMk/>
+            <pc:sldMk cId="374164396" sldId="261"/>
+            <ac:picMk id="5" creationId="{EDA3A0C0-6866-4D06-B5BA-94505A8473F0}"/>
+          </ac:picMkLst>
+        </pc:picChg>
+      </pc:sldChg>
+      <pc:sldChg chg="delSp modSp">
+        <pc:chgData name="Sampson Abrahams" userId="cc1d688c-588a-4417-8239-25fe8058dfdb" providerId="ADAL" clId="{C1DF690F-3179-9447-AA82-F94C95BA4529}" dt="2019-07-03T00:40:36.647" v="943" actId="14100"/>
+        <pc:sldMkLst>
+          <pc:docMk/>
+          <pc:sldMk cId="249076005" sldId="262"/>
+        </pc:sldMkLst>
+        <pc:spChg chg="mod">
+          <ac:chgData name="Sampson Abrahams" userId="cc1d688c-588a-4417-8239-25fe8058dfdb" providerId="ADAL" clId="{C1DF690F-3179-9447-AA82-F94C95BA4529}" dt="2019-07-03T00:40:23.328" v="939" actId="20577"/>
+          <ac:spMkLst>
+            <pc:docMk/>
+            <pc:sldMk cId="249076005" sldId="262"/>
+            <ac:spMk id="2" creationId="{00000000-0000-0000-0000-000000000000}"/>
+          </ac:spMkLst>
+        </pc:spChg>
+        <pc:spChg chg="del mod">
+          <ac:chgData name="Sampson Abrahams" userId="cc1d688c-588a-4417-8239-25fe8058dfdb" providerId="ADAL" clId="{C1DF690F-3179-9447-AA82-F94C95BA4529}" dt="2019-07-03T00:40:29.911" v="941" actId="478"/>
+          <ac:spMkLst>
+            <pc:docMk/>
+            <pc:sldMk cId="249076005" sldId="262"/>
+            <ac:spMk id="6" creationId="{6C598235-7528-DB47-B46E-947165F54926}"/>
+          </ac:spMkLst>
+        </pc:spChg>
+        <pc:picChg chg="mod">
+          <ac:chgData name="Sampson Abrahams" userId="cc1d688c-588a-4417-8239-25fe8058dfdb" providerId="ADAL" clId="{C1DF690F-3179-9447-AA82-F94C95BA4529}" dt="2019-07-03T00:40:36.647" v="943" actId="14100"/>
+          <ac:picMkLst>
+            <pc:docMk/>
+            <pc:sldMk cId="249076005" sldId="262"/>
+            <ac:picMk id="13" creationId="{58B2ED85-05EE-4A80-88C0-981847E48336}"/>
+          </ac:picMkLst>
+        </pc:picChg>
+      </pc:sldChg>
+      <pc:sldChg chg="modSp ord">
+        <pc:chgData name="Sampson Abrahams" userId="cc1d688c-588a-4417-8239-25fe8058dfdb" providerId="ADAL" clId="{C1DF690F-3179-9447-AA82-F94C95BA4529}" dt="2019-07-02T04:17:32.724" v="380"/>
+        <pc:sldMkLst>
+          <pc:docMk/>
+          <pc:sldMk cId="1145965259" sldId="263"/>
+        </pc:sldMkLst>
+        <pc:spChg chg="mod">
+          <ac:chgData name="Sampson Abrahams" userId="cc1d688c-588a-4417-8239-25fe8058dfdb" providerId="ADAL" clId="{C1DF690F-3179-9447-AA82-F94C95BA4529}" dt="2019-06-25T23:40:54.463" v="277" actId="255"/>
+          <ac:spMkLst>
+            <pc:docMk/>
+            <pc:sldMk cId="1145965259" sldId="263"/>
+            <ac:spMk id="2" creationId="{00000000-0000-0000-0000-000000000000}"/>
+          </ac:spMkLst>
+        </pc:spChg>
+        <pc:spChg chg="mod">
+          <ac:chgData name="Sampson Abrahams" userId="cc1d688c-588a-4417-8239-25fe8058dfdb" providerId="ADAL" clId="{C1DF690F-3179-9447-AA82-F94C95BA4529}" dt="2019-06-25T23:38:30.015" v="239" actId="5793"/>
+          <ac:spMkLst>
+            <pc:docMk/>
+            <pc:sldMk cId="1145965259" sldId="263"/>
+            <ac:spMk id="6" creationId="{7F19825E-38B5-6246-B3C7-2D2197D3D515}"/>
+          </ac:spMkLst>
+        </pc:spChg>
+      </pc:sldChg>
+      <pc:sldChg chg="modSp ord">
+        <pc:chgData name="Sampson Abrahams" userId="cc1d688c-588a-4417-8239-25fe8058dfdb" providerId="ADAL" clId="{C1DF690F-3179-9447-AA82-F94C95BA4529}" dt="2019-07-03T00:38:46.847" v="866"/>
+        <pc:sldMkLst>
+          <pc:docMk/>
+          <pc:sldMk cId="3092495496" sldId="264"/>
+        </pc:sldMkLst>
+        <pc:spChg chg="mod">
+          <ac:chgData name="Sampson Abrahams" userId="cc1d688c-588a-4417-8239-25fe8058dfdb" providerId="ADAL" clId="{C1DF690F-3179-9447-AA82-F94C95BA4529}" dt="2019-06-25T23:41:17.918" v="281" actId="255"/>
+          <ac:spMkLst>
+            <pc:docMk/>
+            <pc:sldMk cId="3092495496" sldId="264"/>
+            <ac:spMk id="2" creationId="{00000000-0000-0000-0000-000000000000}"/>
+          </ac:spMkLst>
+        </pc:spChg>
+        <pc:spChg chg="mod">
+          <ac:chgData name="Sampson Abrahams" userId="cc1d688c-588a-4417-8239-25fe8058dfdb" providerId="ADAL" clId="{C1DF690F-3179-9447-AA82-F94C95BA4529}" dt="2019-06-25T23:38:10.813" v="231" actId="5793"/>
+          <ac:spMkLst>
+            <pc:docMk/>
+            <pc:sldMk cId="3092495496" sldId="264"/>
+            <ac:spMk id="6" creationId="{60E6372A-AC0B-7944-82C9-0597476FB5FA}"/>
+          </ac:spMkLst>
+        </pc:spChg>
+      </pc:sldChg>
+      <pc:sldChg chg="addSp delSp modSp">
+        <pc:chgData name="Sampson Abrahams" userId="cc1d688c-588a-4417-8239-25fe8058dfdb" providerId="ADAL" clId="{C1DF690F-3179-9447-AA82-F94C95BA4529}" dt="2019-07-03T00:07:35.277" v="520" actId="1076"/>
+        <pc:sldMkLst>
+          <pc:docMk/>
+          <pc:sldMk cId="2545147960" sldId="265"/>
+        </pc:sldMkLst>
+        <pc:spChg chg="mod">
+          <ac:chgData name="Sampson Abrahams" userId="cc1d688c-588a-4417-8239-25fe8058dfdb" providerId="ADAL" clId="{C1DF690F-3179-9447-AA82-F94C95BA4529}" dt="2019-06-25T23:40:44.704" v="276" actId="255"/>
+          <ac:spMkLst>
+            <pc:docMk/>
+            <pc:sldMk cId="2545147960" sldId="265"/>
+            <ac:spMk id="2" creationId="{00000000-0000-0000-0000-000000000000}"/>
+          </ac:spMkLst>
+        </pc:spChg>
+        <pc:spChg chg="del mod">
+          <ac:chgData name="Sampson Abrahams" userId="cc1d688c-588a-4417-8239-25fe8058dfdb" providerId="ADAL" clId="{C1DF690F-3179-9447-AA82-F94C95BA4529}" dt="2019-07-01T03:38:44.189" v="309" actId="478"/>
+          <ac:spMkLst>
+            <pc:docMk/>
+            <pc:sldMk cId="2545147960" sldId="265"/>
+            <ac:spMk id="6" creationId="{FBAB3760-ABE0-5F49-89E9-C51E6FB0E088}"/>
+          </ac:spMkLst>
+        </pc:spChg>
+        <pc:spChg chg="add mod">
+          <ac:chgData name="Sampson Abrahams" userId="cc1d688c-588a-4417-8239-25fe8058dfdb" providerId="ADAL" clId="{C1DF690F-3179-9447-AA82-F94C95BA4529}" dt="2019-07-03T00:07:35.277" v="520" actId="1076"/>
+          <ac:spMkLst>
+            <pc:docMk/>
+            <pc:sldMk cId="2545147960" sldId="265"/>
+            <ac:spMk id="9" creationId="{38558FC5-3FDE-EE4D-9251-7A7D6AB518E3}"/>
+          </ac:spMkLst>
+        </pc:spChg>
+        <pc:spChg chg="add del">
+          <ac:chgData name="Sampson Abrahams" userId="cc1d688c-588a-4417-8239-25fe8058dfdb" providerId="ADAL" clId="{C1DF690F-3179-9447-AA82-F94C95BA4529}" dt="2019-07-03T00:06:26.766" v="507"/>
+          <ac:spMkLst>
+            <pc:docMk/>
+            <pc:sldMk cId="2545147960" sldId="265"/>
+            <ac:spMk id="10" creationId="{7A55BC43-CB7D-F04B-8C8C-A5065EB89646}"/>
+          </ac:spMkLst>
+        </pc:spChg>
+        <pc:picChg chg="add mod">
+          <ac:chgData name="Sampson Abrahams" userId="cc1d688c-588a-4417-8239-25fe8058dfdb" providerId="ADAL" clId="{C1DF690F-3179-9447-AA82-F94C95BA4529}" dt="2019-07-01T03:39:35.336" v="312" actId="1076"/>
+          <ac:picMkLst>
+            <pc:docMk/>
+            <pc:sldMk cId="2545147960" sldId="265"/>
+            <ac:picMk id="7" creationId="{6237EBDB-7805-8547-A80A-18FDF9C50E92}"/>
+          </ac:picMkLst>
+        </pc:picChg>
+      </pc:sldChg>
+      <pc:sldChg chg="addSp delSp modSp">
+        <pc:chgData name="Sampson Abrahams" userId="cc1d688c-588a-4417-8239-25fe8058dfdb" providerId="ADAL" clId="{C1DF690F-3179-9447-AA82-F94C95BA4529}" dt="2019-07-03T00:39:53.699" v="929" actId="20577"/>
+        <pc:sldMkLst>
+          <pc:docMk/>
+          <pc:sldMk cId="2590791432" sldId="266"/>
+        </pc:sldMkLst>
+        <pc:spChg chg="mod">
+          <ac:chgData name="Sampson Abrahams" userId="cc1d688c-588a-4417-8239-25fe8058dfdb" providerId="ADAL" clId="{C1DF690F-3179-9447-AA82-F94C95BA4529}" dt="2019-06-25T23:40:39.928" v="275" actId="255"/>
+          <ac:spMkLst>
+            <pc:docMk/>
+            <pc:sldMk cId="2590791432" sldId="266"/>
+            <ac:spMk id="2" creationId="{00000000-0000-0000-0000-000000000000}"/>
+          </ac:spMkLst>
+        </pc:spChg>
+        <pc:spChg chg="add del mod">
+          <ac:chgData name="Sampson Abrahams" userId="cc1d688c-588a-4417-8239-25fe8058dfdb" providerId="ADAL" clId="{C1DF690F-3179-9447-AA82-F94C95BA4529}" dt="2019-07-01T03:42:12.577" v="315" actId="478"/>
+          <ac:spMkLst>
+            <pc:docMk/>
+            <pc:sldMk cId="2590791432" sldId="266"/>
+            <ac:spMk id="6" creationId="{48259991-5862-FA41-8D8D-0D3617DFB31B}"/>
+          </ac:spMkLst>
+        </pc:spChg>
+        <pc:spChg chg="del mod">
+          <ac:chgData name="Sampson Abrahams" userId="cc1d688c-588a-4417-8239-25fe8058dfdb" providerId="ADAL" clId="{C1DF690F-3179-9447-AA82-F94C95BA4529}" dt="2019-07-01T03:42:08.036" v="313" actId="478"/>
+          <ac:spMkLst>
+            <pc:docMk/>
+            <pc:sldMk cId="2590791432" sldId="266"/>
+            <ac:spMk id="8" creationId="{72361A48-B5C0-3C4D-A723-AB36262E9E3E}"/>
+          </ac:spMkLst>
+        </pc:spChg>
+        <pc:spChg chg="add mod">
+          <ac:chgData name="Sampson Abrahams" userId="cc1d688c-588a-4417-8239-25fe8058dfdb" providerId="ADAL" clId="{C1DF690F-3179-9447-AA82-F94C95BA4529}" dt="2019-07-03T00:39:53.699" v="929" actId="20577"/>
+          <ac:spMkLst>
+            <pc:docMk/>
+            <pc:sldMk cId="2590791432" sldId="266"/>
+            <ac:spMk id="13" creationId="{A7495433-FA78-4944-A171-3450275E3698}"/>
+          </ac:spMkLst>
+        </pc:spChg>
+        <pc:picChg chg="add del mod">
+          <ac:chgData name="Sampson Abrahams" userId="cc1d688c-588a-4417-8239-25fe8058dfdb" providerId="ADAL" clId="{C1DF690F-3179-9447-AA82-F94C95BA4529}" dt="2019-07-01T03:42:51.101" v="317" actId="478"/>
+          <ac:picMkLst>
+            <pc:docMk/>
+            <pc:sldMk cId="2590791432" sldId="266"/>
+            <ac:picMk id="9" creationId="{D8A85C51-C7F7-9949-94CE-4EC1F59145C8}"/>
+          </ac:picMkLst>
+        </pc:picChg>
+        <pc:picChg chg="add mod">
+          <ac:chgData name="Sampson Abrahams" userId="cc1d688c-588a-4417-8239-25fe8058dfdb" providerId="ADAL" clId="{C1DF690F-3179-9447-AA82-F94C95BA4529}" dt="2019-07-01T03:43:33.361" v="320" actId="1076"/>
+          <ac:picMkLst>
+            <pc:docMk/>
+            <pc:sldMk cId="2590791432" sldId="266"/>
+            <ac:picMk id="12" creationId="{38A5ADA8-3755-AE4C-9B31-9CBC44815E2E}"/>
+          </ac:picMkLst>
+        </pc:picChg>
+      </pc:sldChg>
+      <pc:sldChg chg="addSp delSp modSp ord">
+        <pc:chgData name="Sampson Abrahams" userId="cc1d688c-588a-4417-8239-25fe8058dfdb" providerId="ADAL" clId="{C1DF690F-3179-9447-AA82-F94C95BA4529}" dt="2019-07-03T00:37:52.815" v="843"/>
+        <pc:sldMkLst>
+          <pc:docMk/>
+          <pc:sldMk cId="2775687931" sldId="267"/>
+        </pc:sldMkLst>
+        <pc:spChg chg="mod">
+          <ac:chgData name="Sampson Abrahams" userId="cc1d688c-588a-4417-8239-25fe8058dfdb" providerId="ADAL" clId="{C1DF690F-3179-9447-AA82-F94C95BA4529}" dt="2019-06-25T23:40:17.474" v="267" actId="27636"/>
+          <ac:spMkLst>
+            <pc:docMk/>
+            <pc:sldMk cId="2775687931" sldId="267"/>
+            <ac:spMk id="2" creationId="{00000000-0000-0000-0000-000000000000}"/>
+          </ac:spMkLst>
+        </pc:spChg>
+        <pc:spChg chg="add del mod">
+          <ac:chgData name="Sampson Abrahams" userId="cc1d688c-588a-4417-8239-25fe8058dfdb" providerId="ADAL" clId="{C1DF690F-3179-9447-AA82-F94C95BA4529}" dt="2019-07-01T03:45:35.694" v="339" actId="478"/>
+          <ac:spMkLst>
+            <pc:docMk/>
+            <pc:sldMk cId="2775687931" sldId="267"/>
+            <ac:spMk id="6" creationId="{F8DB2FB9-3DB7-F440-8866-5CFD4AF316E6}"/>
+          </ac:spMkLst>
+        </pc:spChg>
+        <pc:spChg chg="add del mod">
+          <ac:chgData name="Sampson Abrahams" userId="cc1d688c-588a-4417-8239-25fe8058dfdb" providerId="ADAL" clId="{C1DF690F-3179-9447-AA82-F94C95BA4529}" dt="2019-07-03T00:16:59.512" v="539"/>
+          <ac:spMkLst>
+            <pc:docMk/>
+            <pc:sldMk cId="2775687931" sldId="267"/>
+            <ac:spMk id="9" creationId="{0A1696B7-D44F-4F4A-B584-CAE15FB1C3C3}"/>
+          </ac:spMkLst>
+        </pc:spChg>
+        <pc:spChg chg="del mod">
+          <ac:chgData name="Sampson Abrahams" userId="cc1d688c-588a-4417-8239-25fe8058dfdb" providerId="ADAL" clId="{C1DF690F-3179-9447-AA82-F94C95BA4529}" dt="2019-07-01T03:45:28.978" v="337" actId="478"/>
+          <ac:spMkLst>
+            <pc:docMk/>
+            <pc:sldMk cId="2775687931" sldId="267"/>
+            <ac:spMk id="10" creationId="{3324B254-9DE7-48EC-80C8-16321BB9E423}"/>
+          </ac:spMkLst>
+        </pc:spChg>
+        <pc:spChg chg="mod">
+          <ac:chgData name="Sampson Abrahams" userId="cc1d688c-588a-4417-8239-25fe8058dfdb" providerId="ADAL" clId="{C1DF690F-3179-9447-AA82-F94C95BA4529}" dt="2019-07-03T00:16:43.297" v="523"/>
+          <ac:spMkLst>
+            <pc:docMk/>
+            <pc:sldMk cId="2775687931" sldId="267"/>
+            <ac:spMk id="12" creationId="{C6E0D863-EA88-4068-A571-A0E82FF79517}"/>
+          </ac:spMkLst>
+        </pc:spChg>
+        <pc:picChg chg="add mod">
+          <ac:chgData name="Sampson Abrahams" userId="cc1d688c-588a-4417-8239-25fe8058dfdb" providerId="ADAL" clId="{C1DF690F-3179-9447-AA82-F94C95BA4529}" dt="2019-07-01T03:46:02.017" v="344" actId="1076"/>
+          <ac:picMkLst>
+            <pc:docMk/>
+            <pc:sldMk cId="2775687931" sldId="267"/>
+            <ac:picMk id="8" creationId="{70772884-58D4-6740-B75E-A97E5E9B13F9}"/>
+          </ac:picMkLst>
+        </pc:picChg>
+      </pc:sldChg>
+      <pc:sldChg chg="del">
+        <pc:chgData name="Sampson Abrahams" userId="cc1d688c-588a-4417-8239-25fe8058dfdb" providerId="ADAL" clId="{C1DF690F-3179-9447-AA82-F94C95BA4529}" dt="2019-06-25T23:40:27.512" v="273" actId="2696"/>
+        <pc:sldMkLst>
+          <pc:docMk/>
+          <pc:sldMk cId="3524334684" sldId="268"/>
+        </pc:sldMkLst>
+      </pc:sldChg>
+      <pc:sldChg chg="modSp">
+        <pc:chgData name="Sampson Abrahams" userId="cc1d688c-588a-4417-8239-25fe8058dfdb" providerId="ADAL" clId="{C1DF690F-3179-9447-AA82-F94C95BA4529}" dt="2019-06-29T21:41:31.529" v="293" actId="1076"/>
+        <pc:sldMkLst>
+          <pc:docMk/>
+          <pc:sldMk cId="212228772" sldId="269"/>
+        </pc:sldMkLst>
+        <pc:spChg chg="mod">
+          <ac:chgData name="Sampson Abrahams" userId="cc1d688c-588a-4417-8239-25fe8058dfdb" providerId="ADAL" clId="{C1DF690F-3179-9447-AA82-F94C95BA4529}" dt="2019-06-25T23:42:32.584" v="288" actId="255"/>
+          <ac:spMkLst>
+            <pc:docMk/>
+            <pc:sldMk cId="212228772" sldId="269"/>
+            <ac:spMk id="2" creationId="{8E881E39-79E5-4C12-8988-0226AC5866DB}"/>
+          </ac:spMkLst>
+        </pc:spChg>
+        <pc:spChg chg="mod">
+          <ac:chgData name="Sampson Abrahams" userId="cc1d688c-588a-4417-8239-25fe8058dfdb" providerId="ADAL" clId="{C1DF690F-3179-9447-AA82-F94C95BA4529}" dt="2019-06-29T21:41:31.529" v="293" actId="1076"/>
+          <ac:spMkLst>
+            <pc:docMk/>
+            <pc:sldMk cId="212228772" sldId="269"/>
+            <ac:spMk id="6" creationId="{DE5D1C71-18E9-4786-9CBA-4890D7D01076}"/>
+          </ac:spMkLst>
+        </pc:spChg>
+      </pc:sldChg>
+      <pc:sldChg chg="del">
+        <pc:chgData name="Sampson Abrahams" userId="cc1d688c-588a-4417-8239-25fe8058dfdb" providerId="ADAL" clId="{C1DF690F-3179-9447-AA82-F94C95BA4529}" dt="2019-06-25T23:40:30.769" v="274" actId="2696"/>
+        <pc:sldMkLst>
+          <pc:docMk/>
+          <pc:sldMk cId="1129131550" sldId="270"/>
+        </pc:sldMkLst>
+      </pc:sldChg>
+      <pc:sldChg chg="ord">
+        <pc:chgData name="Sampson Abrahams" userId="cc1d688c-588a-4417-8239-25fe8058dfdb" providerId="ADAL" clId="{C1DF690F-3179-9447-AA82-F94C95BA4529}" dt="2019-07-03T00:38:46.847" v="866"/>
+        <pc:sldMkLst>
+          <pc:docMk/>
+          <pc:sldMk cId="3088999285" sldId="270"/>
+        </pc:sldMkLst>
+      </pc:sldChg>
+      <pc:sldChg chg="addSp delSp modSp add del">
+        <pc:chgData name="Sampson Abrahams" userId="cc1d688c-588a-4417-8239-25fe8058dfdb" providerId="ADAL" clId="{C1DF690F-3179-9447-AA82-F94C95BA4529}" dt="2019-07-02T04:17:37.090" v="381" actId="2696"/>
+        <pc:sldMkLst>
+          <pc:docMk/>
+          <pc:sldMk cId="3701104601" sldId="271"/>
+        </pc:sldMkLst>
+        <pc:spChg chg="mod">
+          <ac:chgData name="Sampson Abrahams" userId="cc1d688c-588a-4417-8239-25fe8058dfdb" providerId="ADAL" clId="{C1DF690F-3179-9447-AA82-F94C95BA4529}" dt="2019-06-29T21:47:55.380" v="308" actId="20577"/>
+          <ac:spMkLst>
+            <pc:docMk/>
+            <pc:sldMk cId="3701104601" sldId="271"/>
+            <ac:spMk id="2" creationId="{00000000-0000-0000-0000-000000000000}"/>
+          </ac:spMkLst>
+        </pc:spChg>
+        <pc:spChg chg="add del mod">
+          <ac:chgData name="Sampson Abrahams" userId="cc1d688c-588a-4417-8239-25fe8058dfdb" providerId="ADAL" clId="{C1DF690F-3179-9447-AA82-F94C95BA4529}" dt="2019-07-02T04:16:01.590" v="373"/>
+          <ac:spMkLst>
+            <pc:docMk/>
+            <pc:sldMk cId="3701104601" sldId="271"/>
+            <ac:spMk id="5" creationId="{A8DCF3DC-243A-F94F-A6EE-E198C194A4DB}"/>
+          </ac:spMkLst>
+        </pc:spChg>
+        <pc:spChg chg="mod">
+          <ac:chgData name="Sampson Abrahams" userId="cc1d688c-588a-4417-8239-25fe8058dfdb" providerId="ADAL" clId="{C1DF690F-3179-9447-AA82-F94C95BA4529}" dt="2019-06-29T21:47:46.650" v="304" actId="20577"/>
+          <ac:spMkLst>
+            <pc:docMk/>
+            <pc:sldMk cId="3701104601" sldId="271"/>
+            <ac:spMk id="6" creationId="{6C598235-7528-DB47-B46E-947165F54926}"/>
+          </ac:spMkLst>
+        </pc:spChg>
+        <pc:picChg chg="add mod">
+          <ac:chgData name="Sampson Abrahams" userId="cc1d688c-588a-4417-8239-25fe8058dfdb" providerId="ADAL" clId="{C1DF690F-3179-9447-AA82-F94C95BA4529}" dt="2019-07-02T04:16:46.559" v="379" actId="1076"/>
+          <ac:picMkLst>
+            <pc:docMk/>
+            <pc:sldMk cId="3701104601" sldId="271"/>
+            <ac:picMk id="8" creationId="{E479430B-9D12-944F-B118-226A83BB692D}"/>
+          </ac:picMkLst>
+        </pc:picChg>
+        <pc:picChg chg="del">
+          <ac:chgData name="Sampson Abrahams" userId="cc1d688c-588a-4417-8239-25fe8058dfdb" providerId="ADAL" clId="{C1DF690F-3179-9447-AA82-F94C95BA4529}" dt="2019-06-29T21:47:40.301" v="299" actId="478"/>
+          <ac:picMkLst>
+            <pc:docMk/>
+            <pc:sldMk cId="3701104601" sldId="271"/>
+            <ac:picMk id="13" creationId="{58B2ED85-05EE-4A80-88C0-981847E48336}"/>
+          </ac:picMkLst>
+        </pc:picChg>
+      </pc:sldChg>
+      <pc:sldChg chg="addSp delSp modSp add">
+        <pc:chgData name="Sampson Abrahams" userId="cc1d688c-588a-4417-8239-25fe8058dfdb" providerId="ADAL" clId="{C1DF690F-3179-9447-AA82-F94C95BA4529}" dt="2019-07-03T00:05:53.036" v="491" actId="14100"/>
+        <pc:sldMkLst>
+          <pc:docMk/>
+          <pc:sldMk cId="371486398" sldId="272"/>
+        </pc:sldMkLst>
+        <pc:spChg chg="mod">
+          <ac:chgData name="Sampson Abrahams" userId="cc1d688c-588a-4417-8239-25fe8058dfdb" providerId="ADAL" clId="{C1DF690F-3179-9447-AA82-F94C95BA4529}" dt="2019-07-01T03:43:52.354" v="329" actId="20577"/>
+          <ac:spMkLst>
+            <pc:docMk/>
+            <pc:sldMk cId="371486398" sldId="272"/>
+            <ac:spMk id="2" creationId="{00000000-0000-0000-0000-000000000000}"/>
+          </ac:spMkLst>
+        </pc:spChg>
+        <pc:spChg chg="add mod">
+          <ac:chgData name="Sampson Abrahams" userId="cc1d688c-588a-4417-8239-25fe8058dfdb" providerId="ADAL" clId="{C1DF690F-3179-9447-AA82-F94C95BA4529}" dt="2019-07-03T00:05:53.036" v="491" actId="14100"/>
+          <ac:spMkLst>
+            <pc:docMk/>
+            <pc:sldMk cId="371486398" sldId="272"/>
+            <ac:spMk id="13" creationId="{14B210C2-F7C6-F142-ADD0-DC1709101E2E}"/>
+          </ac:spMkLst>
+        </pc:spChg>
+        <pc:picChg chg="add del mod">
+          <ac:chgData name="Sampson Abrahams" userId="cc1d688c-588a-4417-8239-25fe8058dfdb" providerId="ADAL" clId="{C1DF690F-3179-9447-AA82-F94C95BA4529}" dt="2019-07-01T03:44:18.036" v="332" actId="478"/>
+          <ac:picMkLst>
+            <pc:docMk/>
+            <pc:sldMk cId="371486398" sldId="272"/>
+            <ac:picMk id="6" creationId="{CCED3305-C3D0-9141-BB05-1A01F3102321}"/>
+          </ac:picMkLst>
+        </pc:picChg>
+        <pc:picChg chg="del">
+          <ac:chgData name="Sampson Abrahams" userId="cc1d688c-588a-4417-8239-25fe8058dfdb" providerId="ADAL" clId="{C1DF690F-3179-9447-AA82-F94C95BA4529}" dt="2019-07-01T03:43:53.940" v="330" actId="478"/>
+          <ac:picMkLst>
+            <pc:docMk/>
+            <pc:sldMk cId="371486398" sldId="272"/>
+            <ac:picMk id="7" creationId="{6237EBDB-7805-8547-A80A-18FDF9C50E92}"/>
+          </ac:picMkLst>
+        </pc:picChg>
+        <pc:picChg chg="add del mod">
+          <ac:chgData name="Sampson Abrahams" userId="cc1d688c-588a-4417-8239-25fe8058dfdb" providerId="ADAL" clId="{C1DF690F-3179-9447-AA82-F94C95BA4529}" dt="2019-07-01T03:44:38.367" v="334" actId="478"/>
+          <ac:picMkLst>
+            <pc:docMk/>
+            <pc:sldMk cId="371486398" sldId="272"/>
+            <ac:picMk id="9" creationId="{494DD04D-C02E-A84A-A28C-B4722C3514C4}"/>
+          </ac:picMkLst>
+        </pc:picChg>
+        <pc:picChg chg="add mod">
+          <ac:chgData name="Sampson Abrahams" userId="cc1d688c-588a-4417-8239-25fe8058dfdb" providerId="ADAL" clId="{C1DF690F-3179-9447-AA82-F94C95BA4529}" dt="2019-07-01T03:45:14.985" v="336" actId="14100"/>
+          <ac:picMkLst>
+            <pc:docMk/>
+            <pc:sldMk cId="371486398" sldId="272"/>
+            <ac:picMk id="12" creationId="{CA6917DF-AA04-9942-BF5C-1FCB88EBC46E}"/>
+          </ac:picMkLst>
+        </pc:picChg>
+      </pc:sldChg>
+      <pc:sldChg chg="addSp delSp modSp add ord">
+        <pc:chgData name="Sampson Abrahams" userId="cc1d688c-588a-4417-8239-25fe8058dfdb" providerId="ADAL" clId="{C1DF690F-3179-9447-AA82-F94C95BA4529}" dt="2019-07-03T00:37:52.815" v="843"/>
+        <pc:sldMkLst>
+          <pc:docMk/>
+          <pc:sldMk cId="3114859482" sldId="273"/>
+        </pc:sldMkLst>
+        <pc:spChg chg="mod">
+          <ac:chgData name="Sampson Abrahams" userId="cc1d688c-588a-4417-8239-25fe8058dfdb" providerId="ADAL" clId="{C1DF690F-3179-9447-AA82-F94C95BA4529}" dt="2019-07-03T00:16:57.085" v="537" actId="20577"/>
+          <ac:spMkLst>
+            <pc:docMk/>
+            <pc:sldMk cId="3114859482" sldId="273"/>
+            <ac:spMk id="12" creationId="{C6E0D863-EA88-4068-A571-A0E82FF79517}"/>
+          </ac:spMkLst>
+        </pc:spChg>
+        <pc:picChg chg="add mod">
+          <ac:chgData name="Sampson Abrahams" userId="cc1d688c-588a-4417-8239-25fe8058dfdb" providerId="ADAL" clId="{C1DF690F-3179-9447-AA82-F94C95BA4529}" dt="2019-07-01T03:46:25.068" v="351" actId="1076"/>
+          <ac:picMkLst>
+            <pc:docMk/>
+            <pc:sldMk cId="3114859482" sldId="273"/>
+            <ac:picMk id="6" creationId="{93F08A9A-62EF-9A4B-9C70-592DF5322651}"/>
+          </ac:picMkLst>
+        </pc:picChg>
+        <pc:picChg chg="del">
+          <ac:chgData name="Sampson Abrahams" userId="cc1d688c-588a-4417-8239-25fe8058dfdb" providerId="ADAL" clId="{C1DF690F-3179-9447-AA82-F94C95BA4529}" dt="2019-07-01T03:46:09.853" v="346" actId="478"/>
+          <ac:picMkLst>
+            <pc:docMk/>
+            <pc:sldMk cId="3114859482" sldId="273"/>
+            <ac:picMk id="8" creationId="{70772884-58D4-6740-B75E-A97E5E9B13F9}"/>
+          </ac:picMkLst>
+        </pc:picChg>
+      </pc:sldChg>
+      <pc:sldChg chg="addSp delSp modSp add ord">
+        <pc:chgData name="Sampson Abrahams" userId="cc1d688c-588a-4417-8239-25fe8058dfdb" providerId="ADAL" clId="{C1DF690F-3179-9447-AA82-F94C95BA4529}" dt="2019-07-03T00:37:52.815" v="843"/>
+        <pc:sldMkLst>
+          <pc:docMk/>
+          <pc:sldMk cId="592834893" sldId="274"/>
+        </pc:sldMkLst>
+        <pc:spChg chg="mod">
+          <ac:chgData name="Sampson Abrahams" userId="cc1d688c-588a-4417-8239-25fe8058dfdb" providerId="ADAL" clId="{C1DF690F-3179-9447-AA82-F94C95BA4529}" dt="2019-07-03T00:17:31.875" v="612" actId="20577"/>
+          <ac:spMkLst>
+            <pc:docMk/>
+            <pc:sldMk cId="592834893" sldId="274"/>
+            <ac:spMk id="12" creationId="{C6E0D863-EA88-4068-A571-A0E82FF79517}"/>
+          </ac:spMkLst>
+        </pc:spChg>
+        <pc:picChg chg="del">
+          <ac:chgData name="Sampson Abrahams" userId="cc1d688c-588a-4417-8239-25fe8058dfdb" providerId="ADAL" clId="{C1DF690F-3179-9447-AA82-F94C95BA4529}" dt="2019-07-01T03:46:33.390" v="353" actId="478"/>
+          <ac:picMkLst>
+            <pc:docMk/>
+            <pc:sldMk cId="592834893" sldId="274"/>
+            <ac:picMk id="6" creationId="{93F08A9A-62EF-9A4B-9C70-592DF5322651}"/>
+          </ac:picMkLst>
+        </pc:picChg>
+        <pc:picChg chg="add mod">
+          <ac:chgData name="Sampson Abrahams" userId="cc1d688c-588a-4417-8239-25fe8058dfdb" providerId="ADAL" clId="{C1DF690F-3179-9447-AA82-F94C95BA4529}" dt="2019-07-01T03:46:51.463" v="358" actId="1076"/>
+          <ac:picMkLst>
+            <pc:docMk/>
+            <pc:sldMk cId="592834893" sldId="274"/>
+            <ac:picMk id="7" creationId="{7DE666A1-26FA-0F43-8BA5-96D783969EAC}"/>
+          </ac:picMkLst>
+        </pc:picChg>
+      </pc:sldChg>
+      <pc:sldChg chg="addSp delSp modSp add ord">
+        <pc:chgData name="Sampson Abrahams" userId="cc1d688c-588a-4417-8239-25fe8058dfdb" providerId="ADAL" clId="{C1DF690F-3179-9447-AA82-F94C95BA4529}" dt="2019-07-03T00:53:46.535" v="1032" actId="20577"/>
+        <pc:sldMkLst>
+          <pc:docMk/>
+          <pc:sldMk cId="2639891594" sldId="275"/>
+        </pc:sldMkLst>
+        <pc:spChg chg="del mod">
+          <ac:chgData name="Sampson Abrahams" userId="cc1d688c-588a-4417-8239-25fe8058dfdb" providerId="ADAL" clId="{C1DF690F-3179-9447-AA82-F94C95BA4529}" dt="2019-07-01T03:48:13.930" v="361" actId="478"/>
+          <ac:spMkLst>
+            <pc:docMk/>
+            <pc:sldMk cId="2639891594" sldId="275"/>
+            <ac:spMk id="6" creationId="{60E6372A-AC0B-7944-82C9-0597476FB5FA}"/>
+          </ac:spMkLst>
+        </pc:spChg>
+        <pc:spChg chg="add mod">
+          <ac:chgData name="Sampson Abrahams" userId="cc1d688c-588a-4417-8239-25fe8058dfdb" providerId="ADAL" clId="{C1DF690F-3179-9447-AA82-F94C95BA4529}" dt="2019-07-03T00:53:46.535" v="1032" actId="20577"/>
+          <ac:spMkLst>
+            <pc:docMk/>
+            <pc:sldMk cId="2639891594" sldId="275"/>
+            <ac:spMk id="8" creationId="{EB5AB1A8-E068-0B41-839B-22F41B152572}"/>
+          </ac:spMkLst>
+        </pc:spChg>
+        <pc:picChg chg="add del mod">
+          <ac:chgData name="Sampson Abrahams" userId="cc1d688c-588a-4417-8239-25fe8058dfdb" providerId="ADAL" clId="{C1DF690F-3179-9447-AA82-F94C95BA4529}" dt="2019-07-02T04:15:46.535" v="367" actId="478"/>
+          <ac:picMkLst>
+            <pc:docMk/>
+            <pc:sldMk cId="2639891594" sldId="275"/>
+            <ac:picMk id="5" creationId="{1B648EE0-CEE3-A54F-AAB7-A3FE2EC5A82E}"/>
+          </ac:picMkLst>
+        </pc:picChg>
+        <pc:picChg chg="add mod">
+          <ac:chgData name="Sampson Abrahams" userId="cc1d688c-588a-4417-8239-25fe8058dfdb" providerId="ADAL" clId="{C1DF690F-3179-9447-AA82-F94C95BA4529}" dt="2019-07-03T00:20:32.435" v="836" actId="1076"/>
+          <ac:picMkLst>
+            <pc:docMk/>
+            <pc:sldMk cId="2639891594" sldId="275"/>
+            <ac:picMk id="7" creationId="{A132ADFE-382C-1D4C-B0BD-C77C0C493B1B}"/>
           </ac:picMkLst>
         </pc:picChg>
       </pc:sldChg>
@@ -500,603 +1116,6 @@
     </pc:docChg>
   </pc:docChgLst>
   <pc:docChgLst>
-    <pc:chgData name="Sampson Abrahams" userId="cc1d688c-588a-4417-8239-25fe8058dfdb" providerId="ADAL" clId="{C1DF690F-3179-9447-AA82-F94C95BA4529}"/>
-    <pc:docChg chg="undo custSel addSld delSld modSld sldOrd">
-      <pc:chgData name="Sampson Abrahams" userId="cc1d688c-588a-4417-8239-25fe8058dfdb" providerId="ADAL" clId="{C1DF690F-3179-9447-AA82-F94C95BA4529}" dt="2019-07-03T00:40:46.331" v="945" actId="14100"/>
-      <pc:docMkLst>
-        <pc:docMk/>
-      </pc:docMkLst>
-      <pc:sldChg chg="modSp">
-        <pc:chgData name="Sampson Abrahams" userId="cc1d688c-588a-4417-8239-25fe8058dfdb" providerId="ADAL" clId="{C1DF690F-3179-9447-AA82-F94C95BA4529}" dt="2019-06-25T23:34:13.370" v="25" actId="14100"/>
-        <pc:sldMkLst>
-          <pc:docMk/>
-          <pc:sldMk cId="1592441267" sldId="256"/>
-        </pc:sldMkLst>
-        <pc:spChg chg="mod">
-          <ac:chgData name="Sampson Abrahams" userId="cc1d688c-588a-4417-8239-25fe8058dfdb" providerId="ADAL" clId="{C1DF690F-3179-9447-AA82-F94C95BA4529}" dt="2019-06-25T23:34:13.370" v="25" actId="14100"/>
-          <ac:spMkLst>
-            <pc:docMk/>
-            <pc:sldMk cId="1592441267" sldId="256"/>
-            <ac:spMk id="2" creationId="{00000000-0000-0000-0000-000000000000}"/>
-          </ac:spMkLst>
-        </pc:spChg>
-      </pc:sldChg>
-      <pc:sldChg chg="modSp">
-        <pc:chgData name="Sampson Abrahams" userId="cc1d688c-588a-4417-8239-25fe8058dfdb" providerId="ADAL" clId="{C1DF690F-3179-9447-AA82-F94C95BA4529}" dt="2019-07-03T00:38:34.091" v="865" actId="20577"/>
-        <pc:sldMkLst>
-          <pc:docMk/>
-          <pc:sldMk cId="480225811" sldId="257"/>
-        </pc:sldMkLst>
-        <pc:spChg chg="mod">
-          <ac:chgData name="Sampson Abrahams" userId="cc1d688c-588a-4417-8239-25fe8058dfdb" providerId="ADAL" clId="{C1DF690F-3179-9447-AA82-F94C95BA4529}" dt="2019-07-03T00:38:34.091" v="865" actId="20577"/>
-          <ac:spMkLst>
-            <pc:docMk/>
-            <pc:sldMk cId="480225811" sldId="257"/>
-            <ac:spMk id="8" creationId="{00000000-0000-0000-0000-000000000000}"/>
-          </ac:spMkLst>
-        </pc:spChg>
-      </pc:sldChg>
-      <pc:sldChg chg="modSp del">
-        <pc:chgData name="Sampson Abrahams" userId="cc1d688c-588a-4417-8239-25fe8058dfdb" providerId="ADAL" clId="{C1DF690F-3179-9447-AA82-F94C95BA4529}" dt="2019-06-25T23:42:21.858" v="286" actId="2696"/>
-        <pc:sldMkLst>
-          <pc:docMk/>
-          <pc:sldMk cId="2226160909" sldId="259"/>
-        </pc:sldMkLst>
-        <pc:spChg chg="mod">
-          <ac:chgData name="Sampson Abrahams" userId="cc1d688c-588a-4417-8239-25fe8058dfdb" providerId="ADAL" clId="{C1DF690F-3179-9447-AA82-F94C95BA4529}" dt="2019-06-25T23:41:43.223" v="285" actId="255"/>
-          <ac:spMkLst>
-            <pc:docMk/>
-            <pc:sldMk cId="2226160909" sldId="259"/>
-            <ac:spMk id="2" creationId="{00000000-0000-0000-0000-000000000000}"/>
-          </ac:spMkLst>
-        </pc:spChg>
-        <pc:spChg chg="mod">
-          <ac:chgData name="Sampson Abrahams" userId="cc1d688c-588a-4417-8239-25fe8058dfdb" providerId="ADAL" clId="{C1DF690F-3179-9447-AA82-F94C95BA4529}" dt="2019-06-25T23:37:18.574" v="212" actId="5793"/>
-          <ac:spMkLst>
-            <pc:docMk/>
-            <pc:sldMk cId="2226160909" sldId="259"/>
-            <ac:spMk id="7" creationId="{806229ED-D5BE-4237-BDB6-52C904209AA6}"/>
-          </ac:spMkLst>
-        </pc:spChg>
-      </pc:sldChg>
-      <pc:sldChg chg="modSp">
-        <pc:chgData name="Sampson Abrahams" userId="cc1d688c-588a-4417-8239-25fe8058dfdb" providerId="ADAL" clId="{C1DF690F-3179-9447-AA82-F94C95BA4529}" dt="2019-06-29T21:42:07.116" v="297" actId="1076"/>
-        <pc:sldMkLst>
-          <pc:docMk/>
-          <pc:sldMk cId="830407880" sldId="260"/>
-        </pc:sldMkLst>
-        <pc:spChg chg="mod">
-          <ac:chgData name="Sampson Abrahams" userId="cc1d688c-588a-4417-8239-25fe8058dfdb" providerId="ADAL" clId="{C1DF690F-3179-9447-AA82-F94C95BA4529}" dt="2019-06-25T23:42:40.644" v="289"/>
-          <ac:spMkLst>
-            <pc:docMk/>
-            <pc:sldMk cId="830407880" sldId="260"/>
-            <ac:spMk id="2" creationId="{00000000-0000-0000-0000-000000000000}"/>
-          </ac:spMkLst>
-        </pc:spChg>
-        <pc:spChg chg="mod">
-          <ac:chgData name="Sampson Abrahams" userId="cc1d688c-588a-4417-8239-25fe8058dfdb" providerId="ADAL" clId="{C1DF690F-3179-9447-AA82-F94C95BA4529}" dt="2019-06-29T21:42:07.116" v="297" actId="1076"/>
-          <ac:spMkLst>
-            <pc:docMk/>
-            <pc:sldMk cId="830407880" sldId="260"/>
-            <ac:spMk id="7" creationId="{2C784E43-C84D-D842-BF68-6C450243F030}"/>
-          </ac:spMkLst>
-        </pc:spChg>
-      </pc:sldChg>
-      <pc:sldChg chg="modSp">
-        <pc:chgData name="Sampson Abrahams" userId="cc1d688c-588a-4417-8239-25fe8058dfdb" providerId="ADAL" clId="{C1DF690F-3179-9447-AA82-F94C95BA4529}" dt="2019-07-03T00:40:46.331" v="945" actId="14100"/>
-        <pc:sldMkLst>
-          <pc:docMk/>
-          <pc:sldMk cId="374164396" sldId="261"/>
-        </pc:sldMkLst>
-        <pc:spChg chg="mod">
-          <ac:chgData name="Sampson Abrahams" userId="cc1d688c-588a-4417-8239-25fe8058dfdb" providerId="ADAL" clId="{C1DF690F-3179-9447-AA82-F94C95BA4529}" dt="2019-06-25T23:41:29.358" v="283" actId="255"/>
-          <ac:spMkLst>
-            <pc:docMk/>
-            <pc:sldMk cId="374164396" sldId="261"/>
-            <ac:spMk id="2" creationId="{00000000-0000-0000-0000-000000000000}"/>
-          </ac:spMkLst>
-        </pc:spChg>
-        <pc:spChg chg="mod">
-          <ac:chgData name="Sampson Abrahams" userId="cc1d688c-588a-4417-8239-25fe8058dfdb" providerId="ADAL" clId="{C1DF690F-3179-9447-AA82-F94C95BA4529}" dt="2019-06-25T23:37:36.926" v="219" actId="20577"/>
-          <ac:spMkLst>
-            <pc:docMk/>
-            <pc:sldMk cId="374164396" sldId="261"/>
-            <ac:spMk id="6" creationId="{458787ED-78BB-C842-BDE3-9DD8893A0EFA}"/>
-          </ac:spMkLst>
-        </pc:spChg>
-        <pc:picChg chg="mod">
-          <ac:chgData name="Sampson Abrahams" userId="cc1d688c-588a-4417-8239-25fe8058dfdb" providerId="ADAL" clId="{C1DF690F-3179-9447-AA82-F94C95BA4529}" dt="2019-07-03T00:40:46.331" v="945" actId="14100"/>
-          <ac:picMkLst>
-            <pc:docMk/>
-            <pc:sldMk cId="374164396" sldId="261"/>
-            <ac:picMk id="5" creationId="{EDA3A0C0-6866-4D06-B5BA-94505A8473F0}"/>
-          </ac:picMkLst>
-        </pc:picChg>
-      </pc:sldChg>
-      <pc:sldChg chg="delSp modSp">
-        <pc:chgData name="Sampson Abrahams" userId="cc1d688c-588a-4417-8239-25fe8058dfdb" providerId="ADAL" clId="{C1DF690F-3179-9447-AA82-F94C95BA4529}" dt="2019-07-03T00:40:36.647" v="943" actId="14100"/>
-        <pc:sldMkLst>
-          <pc:docMk/>
-          <pc:sldMk cId="249076005" sldId="262"/>
-        </pc:sldMkLst>
-        <pc:spChg chg="mod">
-          <ac:chgData name="Sampson Abrahams" userId="cc1d688c-588a-4417-8239-25fe8058dfdb" providerId="ADAL" clId="{C1DF690F-3179-9447-AA82-F94C95BA4529}" dt="2019-07-03T00:40:23.328" v="939" actId="20577"/>
-          <ac:spMkLst>
-            <pc:docMk/>
-            <pc:sldMk cId="249076005" sldId="262"/>
-            <ac:spMk id="2" creationId="{00000000-0000-0000-0000-000000000000}"/>
-          </ac:spMkLst>
-        </pc:spChg>
-        <pc:spChg chg="del mod">
-          <ac:chgData name="Sampson Abrahams" userId="cc1d688c-588a-4417-8239-25fe8058dfdb" providerId="ADAL" clId="{C1DF690F-3179-9447-AA82-F94C95BA4529}" dt="2019-07-03T00:40:29.911" v="941" actId="478"/>
-          <ac:spMkLst>
-            <pc:docMk/>
-            <pc:sldMk cId="249076005" sldId="262"/>
-            <ac:spMk id="6" creationId="{6C598235-7528-DB47-B46E-947165F54926}"/>
-          </ac:spMkLst>
-        </pc:spChg>
-        <pc:picChg chg="mod">
-          <ac:chgData name="Sampson Abrahams" userId="cc1d688c-588a-4417-8239-25fe8058dfdb" providerId="ADAL" clId="{C1DF690F-3179-9447-AA82-F94C95BA4529}" dt="2019-07-03T00:40:36.647" v="943" actId="14100"/>
-          <ac:picMkLst>
-            <pc:docMk/>
-            <pc:sldMk cId="249076005" sldId="262"/>
-            <ac:picMk id="13" creationId="{58B2ED85-05EE-4A80-88C0-981847E48336}"/>
-          </ac:picMkLst>
-        </pc:picChg>
-      </pc:sldChg>
-      <pc:sldChg chg="modSp ord">
-        <pc:chgData name="Sampson Abrahams" userId="cc1d688c-588a-4417-8239-25fe8058dfdb" providerId="ADAL" clId="{C1DF690F-3179-9447-AA82-F94C95BA4529}" dt="2019-07-02T04:17:32.724" v="380"/>
-        <pc:sldMkLst>
-          <pc:docMk/>
-          <pc:sldMk cId="1145965259" sldId="263"/>
-        </pc:sldMkLst>
-        <pc:spChg chg="mod">
-          <ac:chgData name="Sampson Abrahams" userId="cc1d688c-588a-4417-8239-25fe8058dfdb" providerId="ADAL" clId="{C1DF690F-3179-9447-AA82-F94C95BA4529}" dt="2019-06-25T23:40:54.463" v="277" actId="255"/>
-          <ac:spMkLst>
-            <pc:docMk/>
-            <pc:sldMk cId="1145965259" sldId="263"/>
-            <ac:spMk id="2" creationId="{00000000-0000-0000-0000-000000000000}"/>
-          </ac:spMkLst>
-        </pc:spChg>
-        <pc:spChg chg="mod">
-          <ac:chgData name="Sampson Abrahams" userId="cc1d688c-588a-4417-8239-25fe8058dfdb" providerId="ADAL" clId="{C1DF690F-3179-9447-AA82-F94C95BA4529}" dt="2019-06-25T23:38:30.015" v="239" actId="5793"/>
-          <ac:spMkLst>
-            <pc:docMk/>
-            <pc:sldMk cId="1145965259" sldId="263"/>
-            <ac:spMk id="6" creationId="{7F19825E-38B5-6246-B3C7-2D2197D3D515}"/>
-          </ac:spMkLst>
-        </pc:spChg>
-      </pc:sldChg>
-      <pc:sldChg chg="modSp ord">
-        <pc:chgData name="Sampson Abrahams" userId="cc1d688c-588a-4417-8239-25fe8058dfdb" providerId="ADAL" clId="{C1DF690F-3179-9447-AA82-F94C95BA4529}" dt="2019-07-03T00:38:46.847" v="866"/>
-        <pc:sldMkLst>
-          <pc:docMk/>
-          <pc:sldMk cId="3092495496" sldId="264"/>
-        </pc:sldMkLst>
-        <pc:spChg chg="mod">
-          <ac:chgData name="Sampson Abrahams" userId="cc1d688c-588a-4417-8239-25fe8058dfdb" providerId="ADAL" clId="{C1DF690F-3179-9447-AA82-F94C95BA4529}" dt="2019-06-25T23:41:17.918" v="281" actId="255"/>
-          <ac:spMkLst>
-            <pc:docMk/>
-            <pc:sldMk cId="3092495496" sldId="264"/>
-            <ac:spMk id="2" creationId="{00000000-0000-0000-0000-000000000000}"/>
-          </ac:spMkLst>
-        </pc:spChg>
-        <pc:spChg chg="mod">
-          <ac:chgData name="Sampson Abrahams" userId="cc1d688c-588a-4417-8239-25fe8058dfdb" providerId="ADAL" clId="{C1DF690F-3179-9447-AA82-F94C95BA4529}" dt="2019-06-25T23:38:10.813" v="231" actId="5793"/>
-          <ac:spMkLst>
-            <pc:docMk/>
-            <pc:sldMk cId="3092495496" sldId="264"/>
-            <ac:spMk id="6" creationId="{60E6372A-AC0B-7944-82C9-0597476FB5FA}"/>
-          </ac:spMkLst>
-        </pc:spChg>
-      </pc:sldChg>
-      <pc:sldChg chg="addSp delSp modSp">
-        <pc:chgData name="Sampson Abrahams" userId="cc1d688c-588a-4417-8239-25fe8058dfdb" providerId="ADAL" clId="{C1DF690F-3179-9447-AA82-F94C95BA4529}" dt="2019-07-03T00:07:35.277" v="520" actId="1076"/>
-        <pc:sldMkLst>
-          <pc:docMk/>
-          <pc:sldMk cId="2545147960" sldId="265"/>
-        </pc:sldMkLst>
-        <pc:spChg chg="mod">
-          <ac:chgData name="Sampson Abrahams" userId="cc1d688c-588a-4417-8239-25fe8058dfdb" providerId="ADAL" clId="{C1DF690F-3179-9447-AA82-F94C95BA4529}" dt="2019-06-25T23:40:44.704" v="276" actId="255"/>
-          <ac:spMkLst>
-            <pc:docMk/>
-            <pc:sldMk cId="2545147960" sldId="265"/>
-            <ac:spMk id="2" creationId="{00000000-0000-0000-0000-000000000000}"/>
-          </ac:spMkLst>
-        </pc:spChg>
-        <pc:spChg chg="del mod">
-          <ac:chgData name="Sampson Abrahams" userId="cc1d688c-588a-4417-8239-25fe8058dfdb" providerId="ADAL" clId="{C1DF690F-3179-9447-AA82-F94C95BA4529}" dt="2019-07-01T03:38:44.189" v="309" actId="478"/>
-          <ac:spMkLst>
-            <pc:docMk/>
-            <pc:sldMk cId="2545147960" sldId="265"/>
-            <ac:spMk id="6" creationId="{FBAB3760-ABE0-5F49-89E9-C51E6FB0E088}"/>
-          </ac:spMkLst>
-        </pc:spChg>
-        <pc:spChg chg="add mod">
-          <ac:chgData name="Sampson Abrahams" userId="cc1d688c-588a-4417-8239-25fe8058dfdb" providerId="ADAL" clId="{C1DF690F-3179-9447-AA82-F94C95BA4529}" dt="2019-07-03T00:07:35.277" v="520" actId="1076"/>
-          <ac:spMkLst>
-            <pc:docMk/>
-            <pc:sldMk cId="2545147960" sldId="265"/>
-            <ac:spMk id="9" creationId="{38558FC5-3FDE-EE4D-9251-7A7D6AB518E3}"/>
-          </ac:spMkLst>
-        </pc:spChg>
-        <pc:spChg chg="add del">
-          <ac:chgData name="Sampson Abrahams" userId="cc1d688c-588a-4417-8239-25fe8058dfdb" providerId="ADAL" clId="{C1DF690F-3179-9447-AA82-F94C95BA4529}" dt="2019-07-03T00:06:26.766" v="507"/>
-          <ac:spMkLst>
-            <pc:docMk/>
-            <pc:sldMk cId="2545147960" sldId="265"/>
-            <ac:spMk id="10" creationId="{7A55BC43-CB7D-F04B-8C8C-A5065EB89646}"/>
-          </ac:spMkLst>
-        </pc:spChg>
-        <pc:picChg chg="add mod">
-          <ac:chgData name="Sampson Abrahams" userId="cc1d688c-588a-4417-8239-25fe8058dfdb" providerId="ADAL" clId="{C1DF690F-3179-9447-AA82-F94C95BA4529}" dt="2019-07-01T03:39:35.336" v="312" actId="1076"/>
-          <ac:picMkLst>
-            <pc:docMk/>
-            <pc:sldMk cId="2545147960" sldId="265"/>
-            <ac:picMk id="7" creationId="{6237EBDB-7805-8547-A80A-18FDF9C50E92}"/>
-          </ac:picMkLst>
-        </pc:picChg>
-      </pc:sldChg>
-      <pc:sldChg chg="addSp delSp modSp">
-        <pc:chgData name="Sampson Abrahams" userId="cc1d688c-588a-4417-8239-25fe8058dfdb" providerId="ADAL" clId="{C1DF690F-3179-9447-AA82-F94C95BA4529}" dt="2019-07-03T00:39:53.699" v="929" actId="20577"/>
-        <pc:sldMkLst>
-          <pc:docMk/>
-          <pc:sldMk cId="2590791432" sldId="266"/>
-        </pc:sldMkLst>
-        <pc:spChg chg="mod">
-          <ac:chgData name="Sampson Abrahams" userId="cc1d688c-588a-4417-8239-25fe8058dfdb" providerId="ADAL" clId="{C1DF690F-3179-9447-AA82-F94C95BA4529}" dt="2019-06-25T23:40:39.928" v="275" actId="255"/>
-          <ac:spMkLst>
-            <pc:docMk/>
-            <pc:sldMk cId="2590791432" sldId="266"/>
-            <ac:spMk id="2" creationId="{00000000-0000-0000-0000-000000000000}"/>
-          </ac:spMkLst>
-        </pc:spChg>
-        <pc:spChg chg="add del mod">
-          <ac:chgData name="Sampson Abrahams" userId="cc1d688c-588a-4417-8239-25fe8058dfdb" providerId="ADAL" clId="{C1DF690F-3179-9447-AA82-F94C95BA4529}" dt="2019-07-01T03:42:12.577" v="315" actId="478"/>
-          <ac:spMkLst>
-            <pc:docMk/>
-            <pc:sldMk cId="2590791432" sldId="266"/>
-            <ac:spMk id="6" creationId="{48259991-5862-FA41-8D8D-0D3617DFB31B}"/>
-          </ac:spMkLst>
-        </pc:spChg>
-        <pc:spChg chg="del mod">
-          <ac:chgData name="Sampson Abrahams" userId="cc1d688c-588a-4417-8239-25fe8058dfdb" providerId="ADAL" clId="{C1DF690F-3179-9447-AA82-F94C95BA4529}" dt="2019-07-01T03:42:08.036" v="313" actId="478"/>
-          <ac:spMkLst>
-            <pc:docMk/>
-            <pc:sldMk cId="2590791432" sldId="266"/>
-            <ac:spMk id="8" creationId="{72361A48-B5C0-3C4D-A723-AB36262E9E3E}"/>
-          </ac:spMkLst>
-        </pc:spChg>
-        <pc:spChg chg="add mod">
-          <ac:chgData name="Sampson Abrahams" userId="cc1d688c-588a-4417-8239-25fe8058dfdb" providerId="ADAL" clId="{C1DF690F-3179-9447-AA82-F94C95BA4529}" dt="2019-07-03T00:39:53.699" v="929" actId="20577"/>
-          <ac:spMkLst>
-            <pc:docMk/>
-            <pc:sldMk cId="2590791432" sldId="266"/>
-            <ac:spMk id="13" creationId="{A7495433-FA78-4944-A171-3450275E3698}"/>
-          </ac:spMkLst>
-        </pc:spChg>
-        <pc:picChg chg="add del mod">
-          <ac:chgData name="Sampson Abrahams" userId="cc1d688c-588a-4417-8239-25fe8058dfdb" providerId="ADAL" clId="{C1DF690F-3179-9447-AA82-F94C95BA4529}" dt="2019-07-01T03:42:51.101" v="317" actId="478"/>
-          <ac:picMkLst>
-            <pc:docMk/>
-            <pc:sldMk cId="2590791432" sldId="266"/>
-            <ac:picMk id="9" creationId="{D8A85C51-C7F7-9949-94CE-4EC1F59145C8}"/>
-          </ac:picMkLst>
-        </pc:picChg>
-        <pc:picChg chg="add mod">
-          <ac:chgData name="Sampson Abrahams" userId="cc1d688c-588a-4417-8239-25fe8058dfdb" providerId="ADAL" clId="{C1DF690F-3179-9447-AA82-F94C95BA4529}" dt="2019-07-01T03:43:33.361" v="320" actId="1076"/>
-          <ac:picMkLst>
-            <pc:docMk/>
-            <pc:sldMk cId="2590791432" sldId="266"/>
-            <ac:picMk id="12" creationId="{38A5ADA8-3755-AE4C-9B31-9CBC44815E2E}"/>
-          </ac:picMkLst>
-        </pc:picChg>
-      </pc:sldChg>
-      <pc:sldChg chg="addSp delSp modSp ord">
-        <pc:chgData name="Sampson Abrahams" userId="cc1d688c-588a-4417-8239-25fe8058dfdb" providerId="ADAL" clId="{C1DF690F-3179-9447-AA82-F94C95BA4529}" dt="2019-07-03T00:37:52.815" v="843"/>
-        <pc:sldMkLst>
-          <pc:docMk/>
-          <pc:sldMk cId="2775687931" sldId="267"/>
-        </pc:sldMkLst>
-        <pc:spChg chg="mod">
-          <ac:chgData name="Sampson Abrahams" userId="cc1d688c-588a-4417-8239-25fe8058dfdb" providerId="ADAL" clId="{C1DF690F-3179-9447-AA82-F94C95BA4529}" dt="2019-06-25T23:40:17.474" v="267" actId="27636"/>
-          <ac:spMkLst>
-            <pc:docMk/>
-            <pc:sldMk cId="2775687931" sldId="267"/>
-            <ac:spMk id="2" creationId="{00000000-0000-0000-0000-000000000000}"/>
-          </ac:spMkLst>
-        </pc:spChg>
-        <pc:spChg chg="add del mod">
-          <ac:chgData name="Sampson Abrahams" userId="cc1d688c-588a-4417-8239-25fe8058dfdb" providerId="ADAL" clId="{C1DF690F-3179-9447-AA82-F94C95BA4529}" dt="2019-07-01T03:45:35.694" v="339" actId="478"/>
-          <ac:spMkLst>
-            <pc:docMk/>
-            <pc:sldMk cId="2775687931" sldId="267"/>
-            <ac:spMk id="6" creationId="{F8DB2FB9-3DB7-F440-8866-5CFD4AF316E6}"/>
-          </ac:spMkLst>
-        </pc:spChg>
-        <pc:spChg chg="add del mod">
-          <ac:chgData name="Sampson Abrahams" userId="cc1d688c-588a-4417-8239-25fe8058dfdb" providerId="ADAL" clId="{C1DF690F-3179-9447-AA82-F94C95BA4529}" dt="2019-07-03T00:16:59.512" v="539"/>
-          <ac:spMkLst>
-            <pc:docMk/>
-            <pc:sldMk cId="2775687931" sldId="267"/>
-            <ac:spMk id="9" creationId="{0A1696B7-D44F-4F4A-B584-CAE15FB1C3C3}"/>
-          </ac:spMkLst>
-        </pc:spChg>
-        <pc:spChg chg="del mod">
-          <ac:chgData name="Sampson Abrahams" userId="cc1d688c-588a-4417-8239-25fe8058dfdb" providerId="ADAL" clId="{C1DF690F-3179-9447-AA82-F94C95BA4529}" dt="2019-07-01T03:45:28.978" v="337" actId="478"/>
-          <ac:spMkLst>
-            <pc:docMk/>
-            <pc:sldMk cId="2775687931" sldId="267"/>
-            <ac:spMk id="10" creationId="{3324B254-9DE7-48EC-80C8-16321BB9E423}"/>
-          </ac:spMkLst>
-        </pc:spChg>
-        <pc:spChg chg="mod">
-          <ac:chgData name="Sampson Abrahams" userId="cc1d688c-588a-4417-8239-25fe8058dfdb" providerId="ADAL" clId="{C1DF690F-3179-9447-AA82-F94C95BA4529}" dt="2019-07-03T00:16:43.297" v="523"/>
-          <ac:spMkLst>
-            <pc:docMk/>
-            <pc:sldMk cId="2775687931" sldId="267"/>
-            <ac:spMk id="12" creationId="{C6E0D863-EA88-4068-A571-A0E82FF79517}"/>
-          </ac:spMkLst>
-        </pc:spChg>
-        <pc:picChg chg="add mod">
-          <ac:chgData name="Sampson Abrahams" userId="cc1d688c-588a-4417-8239-25fe8058dfdb" providerId="ADAL" clId="{C1DF690F-3179-9447-AA82-F94C95BA4529}" dt="2019-07-01T03:46:02.017" v="344" actId="1076"/>
-          <ac:picMkLst>
-            <pc:docMk/>
-            <pc:sldMk cId="2775687931" sldId="267"/>
-            <ac:picMk id="8" creationId="{70772884-58D4-6740-B75E-A97E5E9B13F9}"/>
-          </ac:picMkLst>
-        </pc:picChg>
-      </pc:sldChg>
-      <pc:sldChg chg="del">
-        <pc:chgData name="Sampson Abrahams" userId="cc1d688c-588a-4417-8239-25fe8058dfdb" providerId="ADAL" clId="{C1DF690F-3179-9447-AA82-F94C95BA4529}" dt="2019-06-25T23:40:27.512" v="273" actId="2696"/>
-        <pc:sldMkLst>
-          <pc:docMk/>
-          <pc:sldMk cId="3524334684" sldId="268"/>
-        </pc:sldMkLst>
-      </pc:sldChg>
-      <pc:sldChg chg="modSp">
-        <pc:chgData name="Sampson Abrahams" userId="cc1d688c-588a-4417-8239-25fe8058dfdb" providerId="ADAL" clId="{C1DF690F-3179-9447-AA82-F94C95BA4529}" dt="2019-06-29T21:41:31.529" v="293" actId="1076"/>
-        <pc:sldMkLst>
-          <pc:docMk/>
-          <pc:sldMk cId="212228772" sldId="269"/>
-        </pc:sldMkLst>
-        <pc:spChg chg="mod">
-          <ac:chgData name="Sampson Abrahams" userId="cc1d688c-588a-4417-8239-25fe8058dfdb" providerId="ADAL" clId="{C1DF690F-3179-9447-AA82-F94C95BA4529}" dt="2019-06-25T23:42:32.584" v="288" actId="255"/>
-          <ac:spMkLst>
-            <pc:docMk/>
-            <pc:sldMk cId="212228772" sldId="269"/>
-            <ac:spMk id="2" creationId="{8E881E39-79E5-4C12-8988-0226AC5866DB}"/>
-          </ac:spMkLst>
-        </pc:spChg>
-        <pc:spChg chg="mod">
-          <ac:chgData name="Sampson Abrahams" userId="cc1d688c-588a-4417-8239-25fe8058dfdb" providerId="ADAL" clId="{C1DF690F-3179-9447-AA82-F94C95BA4529}" dt="2019-06-29T21:41:31.529" v="293" actId="1076"/>
-          <ac:spMkLst>
-            <pc:docMk/>
-            <pc:sldMk cId="212228772" sldId="269"/>
-            <ac:spMk id="6" creationId="{DE5D1C71-18E9-4786-9CBA-4890D7D01076}"/>
-          </ac:spMkLst>
-        </pc:spChg>
-      </pc:sldChg>
-      <pc:sldChg chg="del">
-        <pc:chgData name="Sampson Abrahams" userId="cc1d688c-588a-4417-8239-25fe8058dfdb" providerId="ADAL" clId="{C1DF690F-3179-9447-AA82-F94C95BA4529}" dt="2019-06-25T23:40:30.769" v="274" actId="2696"/>
-        <pc:sldMkLst>
-          <pc:docMk/>
-          <pc:sldMk cId="1129131550" sldId="270"/>
-        </pc:sldMkLst>
-      </pc:sldChg>
-      <pc:sldChg chg="ord">
-        <pc:chgData name="Sampson Abrahams" userId="cc1d688c-588a-4417-8239-25fe8058dfdb" providerId="ADAL" clId="{C1DF690F-3179-9447-AA82-F94C95BA4529}" dt="2019-07-03T00:38:46.847" v="866"/>
-        <pc:sldMkLst>
-          <pc:docMk/>
-          <pc:sldMk cId="3088999285" sldId="270"/>
-        </pc:sldMkLst>
-      </pc:sldChg>
-      <pc:sldChg chg="addSp delSp modSp add del">
-        <pc:chgData name="Sampson Abrahams" userId="cc1d688c-588a-4417-8239-25fe8058dfdb" providerId="ADAL" clId="{C1DF690F-3179-9447-AA82-F94C95BA4529}" dt="2019-07-02T04:17:37.090" v="381" actId="2696"/>
-        <pc:sldMkLst>
-          <pc:docMk/>
-          <pc:sldMk cId="3701104601" sldId="271"/>
-        </pc:sldMkLst>
-        <pc:spChg chg="mod">
-          <ac:chgData name="Sampson Abrahams" userId="cc1d688c-588a-4417-8239-25fe8058dfdb" providerId="ADAL" clId="{C1DF690F-3179-9447-AA82-F94C95BA4529}" dt="2019-06-29T21:47:55.380" v="308" actId="20577"/>
-          <ac:spMkLst>
-            <pc:docMk/>
-            <pc:sldMk cId="3701104601" sldId="271"/>
-            <ac:spMk id="2" creationId="{00000000-0000-0000-0000-000000000000}"/>
-          </ac:spMkLst>
-        </pc:spChg>
-        <pc:spChg chg="add del mod">
-          <ac:chgData name="Sampson Abrahams" userId="cc1d688c-588a-4417-8239-25fe8058dfdb" providerId="ADAL" clId="{C1DF690F-3179-9447-AA82-F94C95BA4529}" dt="2019-07-02T04:16:01.590" v="373"/>
-          <ac:spMkLst>
-            <pc:docMk/>
-            <pc:sldMk cId="3701104601" sldId="271"/>
-            <ac:spMk id="5" creationId="{A8DCF3DC-243A-F94F-A6EE-E198C194A4DB}"/>
-          </ac:spMkLst>
-        </pc:spChg>
-        <pc:spChg chg="mod">
-          <ac:chgData name="Sampson Abrahams" userId="cc1d688c-588a-4417-8239-25fe8058dfdb" providerId="ADAL" clId="{C1DF690F-3179-9447-AA82-F94C95BA4529}" dt="2019-06-29T21:47:46.650" v="304" actId="20577"/>
-          <ac:spMkLst>
-            <pc:docMk/>
-            <pc:sldMk cId="3701104601" sldId="271"/>
-            <ac:spMk id="6" creationId="{6C598235-7528-DB47-B46E-947165F54926}"/>
-          </ac:spMkLst>
-        </pc:spChg>
-        <pc:picChg chg="add mod">
-          <ac:chgData name="Sampson Abrahams" userId="cc1d688c-588a-4417-8239-25fe8058dfdb" providerId="ADAL" clId="{C1DF690F-3179-9447-AA82-F94C95BA4529}" dt="2019-07-02T04:16:46.559" v="379" actId="1076"/>
-          <ac:picMkLst>
-            <pc:docMk/>
-            <pc:sldMk cId="3701104601" sldId="271"/>
-            <ac:picMk id="8" creationId="{E479430B-9D12-944F-B118-226A83BB692D}"/>
-          </ac:picMkLst>
-        </pc:picChg>
-        <pc:picChg chg="del">
-          <ac:chgData name="Sampson Abrahams" userId="cc1d688c-588a-4417-8239-25fe8058dfdb" providerId="ADAL" clId="{C1DF690F-3179-9447-AA82-F94C95BA4529}" dt="2019-06-29T21:47:40.301" v="299" actId="478"/>
-          <ac:picMkLst>
-            <pc:docMk/>
-            <pc:sldMk cId="3701104601" sldId="271"/>
-            <ac:picMk id="13" creationId="{58B2ED85-05EE-4A80-88C0-981847E48336}"/>
-          </ac:picMkLst>
-        </pc:picChg>
-      </pc:sldChg>
-      <pc:sldChg chg="addSp delSp modSp add">
-        <pc:chgData name="Sampson Abrahams" userId="cc1d688c-588a-4417-8239-25fe8058dfdb" providerId="ADAL" clId="{C1DF690F-3179-9447-AA82-F94C95BA4529}" dt="2019-07-03T00:05:53.036" v="491" actId="14100"/>
-        <pc:sldMkLst>
-          <pc:docMk/>
-          <pc:sldMk cId="371486398" sldId="272"/>
-        </pc:sldMkLst>
-        <pc:spChg chg="mod">
-          <ac:chgData name="Sampson Abrahams" userId="cc1d688c-588a-4417-8239-25fe8058dfdb" providerId="ADAL" clId="{C1DF690F-3179-9447-AA82-F94C95BA4529}" dt="2019-07-01T03:43:52.354" v="329" actId="20577"/>
-          <ac:spMkLst>
-            <pc:docMk/>
-            <pc:sldMk cId="371486398" sldId="272"/>
-            <ac:spMk id="2" creationId="{00000000-0000-0000-0000-000000000000}"/>
-          </ac:spMkLst>
-        </pc:spChg>
-        <pc:spChg chg="add mod">
-          <ac:chgData name="Sampson Abrahams" userId="cc1d688c-588a-4417-8239-25fe8058dfdb" providerId="ADAL" clId="{C1DF690F-3179-9447-AA82-F94C95BA4529}" dt="2019-07-03T00:05:53.036" v="491" actId="14100"/>
-          <ac:spMkLst>
-            <pc:docMk/>
-            <pc:sldMk cId="371486398" sldId="272"/>
-            <ac:spMk id="13" creationId="{14B210C2-F7C6-F142-ADD0-DC1709101E2E}"/>
-          </ac:spMkLst>
-        </pc:spChg>
-        <pc:picChg chg="add del mod">
-          <ac:chgData name="Sampson Abrahams" userId="cc1d688c-588a-4417-8239-25fe8058dfdb" providerId="ADAL" clId="{C1DF690F-3179-9447-AA82-F94C95BA4529}" dt="2019-07-01T03:44:18.036" v="332" actId="478"/>
-          <ac:picMkLst>
-            <pc:docMk/>
-            <pc:sldMk cId="371486398" sldId="272"/>
-            <ac:picMk id="6" creationId="{CCED3305-C3D0-9141-BB05-1A01F3102321}"/>
-          </ac:picMkLst>
-        </pc:picChg>
-        <pc:picChg chg="del">
-          <ac:chgData name="Sampson Abrahams" userId="cc1d688c-588a-4417-8239-25fe8058dfdb" providerId="ADAL" clId="{C1DF690F-3179-9447-AA82-F94C95BA4529}" dt="2019-07-01T03:43:53.940" v="330" actId="478"/>
-          <ac:picMkLst>
-            <pc:docMk/>
-            <pc:sldMk cId="371486398" sldId="272"/>
-            <ac:picMk id="7" creationId="{6237EBDB-7805-8547-A80A-18FDF9C50E92}"/>
-          </ac:picMkLst>
-        </pc:picChg>
-        <pc:picChg chg="add del mod">
-          <ac:chgData name="Sampson Abrahams" userId="cc1d688c-588a-4417-8239-25fe8058dfdb" providerId="ADAL" clId="{C1DF690F-3179-9447-AA82-F94C95BA4529}" dt="2019-07-01T03:44:38.367" v="334" actId="478"/>
-          <ac:picMkLst>
-            <pc:docMk/>
-            <pc:sldMk cId="371486398" sldId="272"/>
-            <ac:picMk id="9" creationId="{494DD04D-C02E-A84A-A28C-B4722C3514C4}"/>
-          </ac:picMkLst>
-        </pc:picChg>
-        <pc:picChg chg="add mod">
-          <ac:chgData name="Sampson Abrahams" userId="cc1d688c-588a-4417-8239-25fe8058dfdb" providerId="ADAL" clId="{C1DF690F-3179-9447-AA82-F94C95BA4529}" dt="2019-07-01T03:45:14.985" v="336" actId="14100"/>
-          <ac:picMkLst>
-            <pc:docMk/>
-            <pc:sldMk cId="371486398" sldId="272"/>
-            <ac:picMk id="12" creationId="{CA6917DF-AA04-9942-BF5C-1FCB88EBC46E}"/>
-          </ac:picMkLst>
-        </pc:picChg>
-      </pc:sldChg>
-      <pc:sldChg chg="addSp delSp modSp add ord">
-        <pc:chgData name="Sampson Abrahams" userId="cc1d688c-588a-4417-8239-25fe8058dfdb" providerId="ADAL" clId="{C1DF690F-3179-9447-AA82-F94C95BA4529}" dt="2019-07-03T00:37:52.815" v="843"/>
-        <pc:sldMkLst>
-          <pc:docMk/>
-          <pc:sldMk cId="3114859482" sldId="273"/>
-        </pc:sldMkLst>
-        <pc:spChg chg="mod">
-          <ac:chgData name="Sampson Abrahams" userId="cc1d688c-588a-4417-8239-25fe8058dfdb" providerId="ADAL" clId="{C1DF690F-3179-9447-AA82-F94C95BA4529}" dt="2019-07-03T00:16:57.085" v="537" actId="20577"/>
-          <ac:spMkLst>
-            <pc:docMk/>
-            <pc:sldMk cId="3114859482" sldId="273"/>
-            <ac:spMk id="12" creationId="{C6E0D863-EA88-4068-A571-A0E82FF79517}"/>
-          </ac:spMkLst>
-        </pc:spChg>
-        <pc:picChg chg="add mod">
-          <ac:chgData name="Sampson Abrahams" userId="cc1d688c-588a-4417-8239-25fe8058dfdb" providerId="ADAL" clId="{C1DF690F-3179-9447-AA82-F94C95BA4529}" dt="2019-07-01T03:46:25.068" v="351" actId="1076"/>
-          <ac:picMkLst>
-            <pc:docMk/>
-            <pc:sldMk cId="3114859482" sldId="273"/>
-            <ac:picMk id="6" creationId="{93F08A9A-62EF-9A4B-9C70-592DF5322651}"/>
-          </ac:picMkLst>
-        </pc:picChg>
-        <pc:picChg chg="del">
-          <ac:chgData name="Sampson Abrahams" userId="cc1d688c-588a-4417-8239-25fe8058dfdb" providerId="ADAL" clId="{C1DF690F-3179-9447-AA82-F94C95BA4529}" dt="2019-07-01T03:46:09.853" v="346" actId="478"/>
-          <ac:picMkLst>
-            <pc:docMk/>
-            <pc:sldMk cId="3114859482" sldId="273"/>
-            <ac:picMk id="8" creationId="{70772884-58D4-6740-B75E-A97E5E9B13F9}"/>
-          </ac:picMkLst>
-        </pc:picChg>
-      </pc:sldChg>
-      <pc:sldChg chg="addSp delSp modSp add ord">
-        <pc:chgData name="Sampson Abrahams" userId="cc1d688c-588a-4417-8239-25fe8058dfdb" providerId="ADAL" clId="{C1DF690F-3179-9447-AA82-F94C95BA4529}" dt="2019-07-03T00:37:52.815" v="843"/>
-        <pc:sldMkLst>
-          <pc:docMk/>
-          <pc:sldMk cId="592834893" sldId="274"/>
-        </pc:sldMkLst>
-        <pc:spChg chg="mod">
-          <ac:chgData name="Sampson Abrahams" userId="cc1d688c-588a-4417-8239-25fe8058dfdb" providerId="ADAL" clId="{C1DF690F-3179-9447-AA82-F94C95BA4529}" dt="2019-07-03T00:17:31.875" v="612" actId="20577"/>
-          <ac:spMkLst>
-            <pc:docMk/>
-            <pc:sldMk cId="592834893" sldId="274"/>
-            <ac:spMk id="12" creationId="{C6E0D863-EA88-4068-A571-A0E82FF79517}"/>
-          </ac:spMkLst>
-        </pc:spChg>
-        <pc:picChg chg="del">
-          <ac:chgData name="Sampson Abrahams" userId="cc1d688c-588a-4417-8239-25fe8058dfdb" providerId="ADAL" clId="{C1DF690F-3179-9447-AA82-F94C95BA4529}" dt="2019-07-01T03:46:33.390" v="353" actId="478"/>
-          <ac:picMkLst>
-            <pc:docMk/>
-            <pc:sldMk cId="592834893" sldId="274"/>
-            <ac:picMk id="6" creationId="{93F08A9A-62EF-9A4B-9C70-592DF5322651}"/>
-          </ac:picMkLst>
-        </pc:picChg>
-        <pc:picChg chg="add mod">
-          <ac:chgData name="Sampson Abrahams" userId="cc1d688c-588a-4417-8239-25fe8058dfdb" providerId="ADAL" clId="{C1DF690F-3179-9447-AA82-F94C95BA4529}" dt="2019-07-01T03:46:51.463" v="358" actId="1076"/>
-          <ac:picMkLst>
-            <pc:docMk/>
-            <pc:sldMk cId="592834893" sldId="274"/>
-            <ac:picMk id="7" creationId="{7DE666A1-26FA-0F43-8BA5-96D783969EAC}"/>
-          </ac:picMkLst>
-        </pc:picChg>
-      </pc:sldChg>
-      <pc:sldChg chg="addSp delSp modSp add ord">
-        <pc:chgData name="Sampson Abrahams" userId="cc1d688c-588a-4417-8239-25fe8058dfdb" providerId="ADAL" clId="{C1DF690F-3179-9447-AA82-F94C95BA4529}" dt="2019-07-03T00:38:46.847" v="866"/>
-        <pc:sldMkLst>
-          <pc:docMk/>
-          <pc:sldMk cId="2639891594" sldId="275"/>
-        </pc:sldMkLst>
-        <pc:spChg chg="del mod">
-          <ac:chgData name="Sampson Abrahams" userId="cc1d688c-588a-4417-8239-25fe8058dfdb" providerId="ADAL" clId="{C1DF690F-3179-9447-AA82-F94C95BA4529}" dt="2019-07-01T03:48:13.930" v="361" actId="478"/>
-          <ac:spMkLst>
-            <pc:docMk/>
-            <pc:sldMk cId="2639891594" sldId="275"/>
-            <ac:spMk id="6" creationId="{60E6372A-AC0B-7944-82C9-0597476FB5FA}"/>
-          </ac:spMkLst>
-        </pc:spChg>
-        <pc:spChg chg="add mod">
-          <ac:chgData name="Sampson Abrahams" userId="cc1d688c-588a-4417-8239-25fe8058dfdb" providerId="ADAL" clId="{C1DF690F-3179-9447-AA82-F94C95BA4529}" dt="2019-07-03T00:20:59.658" v="842" actId="313"/>
-          <ac:spMkLst>
-            <pc:docMk/>
-            <pc:sldMk cId="2639891594" sldId="275"/>
-            <ac:spMk id="8" creationId="{EB5AB1A8-E068-0B41-839B-22F41B152572}"/>
-          </ac:spMkLst>
-        </pc:spChg>
-        <pc:picChg chg="add del mod">
-          <ac:chgData name="Sampson Abrahams" userId="cc1d688c-588a-4417-8239-25fe8058dfdb" providerId="ADAL" clId="{C1DF690F-3179-9447-AA82-F94C95BA4529}" dt="2019-07-02T04:15:46.535" v="367" actId="478"/>
-          <ac:picMkLst>
-            <pc:docMk/>
-            <pc:sldMk cId="2639891594" sldId="275"/>
-            <ac:picMk id="5" creationId="{1B648EE0-CEE3-A54F-AAB7-A3FE2EC5A82E}"/>
-          </ac:picMkLst>
-        </pc:picChg>
-        <pc:picChg chg="add mod">
-          <ac:chgData name="Sampson Abrahams" userId="cc1d688c-588a-4417-8239-25fe8058dfdb" providerId="ADAL" clId="{C1DF690F-3179-9447-AA82-F94C95BA4529}" dt="2019-07-03T00:20:32.435" v="836" actId="1076"/>
-          <ac:picMkLst>
-            <pc:docMk/>
-            <pc:sldMk cId="2639891594" sldId="275"/>
-            <ac:picMk id="7" creationId="{A132ADFE-382C-1D4C-B0BD-C77C0C493B1B}"/>
-          </ac:picMkLst>
-        </pc:picChg>
-      </pc:sldChg>
-    </pc:docChg>
-  </pc:docChgLst>
-  <pc:docChgLst>
     <pc:chgData name="Sampson Abrahams" userId="cc1d688c-588a-4417-8239-25fe8058dfdb" providerId="ADAL" clId="{8A63BCB5-57A4-A041-B939-516126DA255B}"/>
     <pc:docChg chg="undo custSel mod addSld modSld">
       <pc:chgData name="Sampson Abrahams" userId="cc1d688c-588a-4417-8239-25fe8058dfdb" providerId="ADAL" clId="{8A63BCB5-57A4-A041-B939-516126DA255B}" dt="2019-06-04T03:57:18.219" v="219" actId="26606"/>
@@ -2080,6 +2099,21 @@
     </pc:docChg>
   </pc:docChgLst>
 </pc:chgInfo>
+</file>
+
+<file path=ppt/comments/comment1.xml><?xml version="1.0" encoding="utf-8"?>
+<p:cmLst xmlns:a="http://schemas.openxmlformats.org/drawingml/2006/main" xmlns:r="http://schemas.openxmlformats.org/officeDocument/2006/relationships" xmlns:p="http://schemas.openxmlformats.org/presentationml/2006/main">
+  <p:cm authorId="1" dt="2019-07-02T17:52:02.350" idx="1">
+    <p:pos x="10" y="10"/>
+    <p:text>What are the languages we plan to use for the code of the application? Need it for programming view.
+</p:text>
+    <p:extLst>
+      <p:ext uri="{C676402C-5697-4E1C-873F-D02D1690AC5C}">
+        <p15:threadingInfo xmlns:p15="http://schemas.microsoft.com/office/powerpoint/2012/main" timeZoneBias="420"/>
+      </p:ext>
+    </p:extLst>
+  </p:cm>
+</p:cmLst>
 </file>
 
 <file path=ppt/slideLayouts/slideLayout1.xml><?xml version="1.0" encoding="utf-8"?>
@@ -7353,7 +7387,7 @@
                   </a:outerShdw>
                 </a:effectLst>
               </a:rPr>
-              <a:t>We plan to use </a:t>
+              <a:t>We plan to use</a:t>
             </a:r>
             <a:r>
               <a:rPr lang="en-US">
@@ -7367,7 +7401,7 @@
                 <a:ea typeface="+mn-lt"/>
                 <a:cs typeface="+mn-lt"/>
               </a:rPr>
-              <a:t> MySQL (database), Java Servlet Programming, JSP, Apache Tomcat (web server) onsite (RasPI), Cloud hosting (AWS, Azure, Google Cloud)</a:t>
+              <a:t> HTML,MySQL (database), Java Servlet Programming, JSP, pache Tomcat (web server) onsite (RasPI), Cloud hosting (AWS, Azure, Google Cloud)</a:t>
             </a:r>
             <a:r>
               <a:rPr lang="en-US">
@@ -8356,8 +8390,8 @@
         </p:nvSpPr>
         <p:spPr>
           <a:xfrm>
-            <a:off x="434340" y="2217419"/>
-            <a:ext cx="2522220" cy="2031325"/>
+            <a:off x="331470" y="1551411"/>
+            <a:ext cx="2522220" cy="3693319"/>
           </a:xfrm>
           <a:prstGeom prst="rect">
             <a:avLst/>
@@ -8386,6 +8420,45 @@
             </a:r>
           </a:p>
           <a:p>
+            <a:pPr marL="742950" lvl="1" indent="-285750">
+              <a:buFont typeface="Arial" panose="020B0604020202020204" pitchFamily="34" charset="0"/>
+              <a:buChar char="•"/>
+            </a:pPr>
+            <a:r>
+              <a:rPr lang="en-US">
+                <a:effectLst>
+                  <a:outerShdw blurRad="38100" dist="38100" dir="2700000" algn="tl">
+                    <a:srgbClr val="000000">
+                      <a:alpha val="43137"/>
+                    </a:srgbClr>
+                  </a:outerShdw>
+                </a:effectLst>
+              </a:rPr>
+              <a:t>Apache</a:t>
+            </a:r>
+            <a:endParaRPr lang="en-US"/>
+          </a:p>
+          <a:p>
+            <a:pPr marL="742950" lvl="1" indent="-285750">
+              <a:buFont typeface="Arial" panose="020B0604020202020204" pitchFamily="34" charset="0"/>
+              <a:buChar char="•"/>
+            </a:pPr>
+            <a:r>
+              <a:rPr lang="en-US"/>
+              <a:t>HTML</a:t>
+            </a:r>
+          </a:p>
+          <a:p>
+            <a:pPr marL="742950" lvl="1" indent="-285750">
+              <a:buFont typeface="Arial" panose="020B0604020202020204" pitchFamily="34" charset="0"/>
+              <a:buChar char="•"/>
+            </a:pPr>
+            <a:r>
+              <a:rPr lang="en-US"/>
+              <a:t>JSP/JAVA</a:t>
+            </a:r>
+          </a:p>
+          <a:p>
             <a:pPr marL="285750" indent="-285750">
               <a:buFont typeface="Arial" panose="020B0604020202020204" pitchFamily="34" charset="0"/>
               <a:buChar char="•"/>
@@ -8402,7 +8475,17 @@
             </a:pPr>
             <a:r>
               <a:rPr lang="en-US"/>
-              <a:t>SQL High Availability</a:t>
+              <a:t>SQL  (MySQL)</a:t>
+            </a:r>
+          </a:p>
+          <a:p>
+            <a:pPr marL="742950" lvl="1" indent="-285750">
+              <a:buFont typeface="Arial" panose="020B0604020202020204" pitchFamily="34" charset="0"/>
+              <a:buChar char="•"/>
+            </a:pPr>
+            <a:r>
+              <a:rPr lang="en-US"/>
+              <a:t>High Availability</a:t>
             </a:r>
           </a:p>
           <a:p>
@@ -8412,7 +8495,29 @@
             </a:pPr>
             <a:r>
               <a:rPr lang="en-US"/>
-              <a:t>Clustered Storage </a:t>
+              <a:t>Cloud hosted</a:t>
+            </a:r>
+          </a:p>
+          <a:p>
+            <a:pPr marL="742950" lvl="1" indent="-285750">
+              <a:buFont typeface="Arial" panose="020B0604020202020204" pitchFamily="34" charset="0"/>
+              <a:buChar char="•"/>
+            </a:pPr>
+            <a:r>
+              <a:rPr lang="en-US">
+                <a:effectLst>
+                  <a:outerShdw blurRad="38100" dist="38100" dir="2700000" algn="tl">
+                    <a:srgbClr val="000000">
+                      <a:alpha val="43137"/>
+                    </a:srgbClr>
+                  </a:outerShdw>
+                </a:effectLst>
+              </a:rPr>
+              <a:t>AWS, Azure, Google Cloud</a:t>
+            </a:r>
+            <a:r>
+              <a:rPr lang="en-US"/>
+              <a:t> </a:t>
             </a:r>
           </a:p>
           <a:p>
